--- a/Poster.pptx
+++ b/Poster.pptx
@@ -104,6 +104,17 @@
       </a:defRPr>
     </a:lvl9pPr>
   </p:defaultTextStyle>
+  <p:extLst>
+    <p:ext uri="{521415D9-36F7-43E2-AB2F-B90AF26B5E84}">
+      <p14:sectionLst xmlns:p14="http://schemas.microsoft.com/office/powerpoint/2010/main">
+        <p14:section name="Untitled Section" id="{DB5F1B8A-87BD-4370-9400-14CC87BDD16B}">
+          <p14:sldIdLst>
+            <p14:sldId id="256"/>
+          </p14:sldIdLst>
+        </p14:section>
+      </p14:sectionLst>
+    </p:ext>
+  </p:extLst>
 </p:presentation>
 </file>
 
@@ -289,7 +300,7 @@
             <a:fld id="{D9D26CB9-01E4-44B8-8084-BCC418CF4A2D}" type="datetimeFigureOut">
               <a:rPr lang="en-US" smtClean="0"/>
               <a:pPr/>
-              <a:t>5/5/15</a:t>
+              <a:t>5/16/2015</a:t>
             </a:fld>
             <a:endParaRPr lang="en-US"/>
           </a:p>
@@ -456,7 +467,7 @@
             <a:fld id="{D9D26CB9-01E4-44B8-8084-BCC418CF4A2D}" type="datetimeFigureOut">
               <a:rPr lang="en-US" smtClean="0"/>
               <a:pPr/>
-              <a:t>5/5/15</a:t>
+              <a:t>5/16/2015</a:t>
             </a:fld>
             <a:endParaRPr lang="en-US"/>
           </a:p>
@@ -633,7 +644,7 @@
             <a:fld id="{D9D26CB9-01E4-44B8-8084-BCC418CF4A2D}" type="datetimeFigureOut">
               <a:rPr lang="en-US" smtClean="0"/>
               <a:pPr/>
-              <a:t>5/5/15</a:t>
+              <a:t>5/16/2015</a:t>
             </a:fld>
             <a:endParaRPr lang="en-US"/>
           </a:p>
@@ -800,7 +811,7 @@
             <a:fld id="{D9D26CB9-01E4-44B8-8084-BCC418CF4A2D}" type="datetimeFigureOut">
               <a:rPr lang="en-US" smtClean="0"/>
               <a:pPr/>
-              <a:t>5/5/15</a:t>
+              <a:t>5/16/2015</a:t>
             </a:fld>
             <a:endParaRPr lang="en-US"/>
           </a:p>
@@ -1043,7 +1054,7 @@
             <a:fld id="{D9D26CB9-01E4-44B8-8084-BCC418CF4A2D}" type="datetimeFigureOut">
               <a:rPr lang="en-US" smtClean="0"/>
               <a:pPr/>
-              <a:t>5/5/15</a:t>
+              <a:t>5/16/2015</a:t>
             </a:fld>
             <a:endParaRPr lang="en-US"/>
           </a:p>
@@ -1328,7 +1339,7 @@
             <a:fld id="{D9D26CB9-01E4-44B8-8084-BCC418CF4A2D}" type="datetimeFigureOut">
               <a:rPr lang="en-US" smtClean="0"/>
               <a:pPr/>
-              <a:t>5/5/15</a:t>
+              <a:t>5/16/2015</a:t>
             </a:fld>
             <a:endParaRPr lang="en-US"/>
           </a:p>
@@ -1747,7 +1758,7 @@
             <a:fld id="{D9D26CB9-01E4-44B8-8084-BCC418CF4A2D}" type="datetimeFigureOut">
               <a:rPr lang="en-US" smtClean="0"/>
               <a:pPr/>
-              <a:t>5/5/15</a:t>
+              <a:t>5/16/2015</a:t>
             </a:fld>
             <a:endParaRPr lang="en-US"/>
           </a:p>
@@ -1862,7 +1873,7 @@
             <a:fld id="{D9D26CB9-01E4-44B8-8084-BCC418CF4A2D}" type="datetimeFigureOut">
               <a:rPr lang="en-US" smtClean="0"/>
               <a:pPr/>
-              <a:t>5/5/15</a:t>
+              <a:t>5/16/2015</a:t>
             </a:fld>
             <a:endParaRPr lang="en-US"/>
           </a:p>
@@ -1954,7 +1965,7 @@
             <a:fld id="{D9D26CB9-01E4-44B8-8084-BCC418CF4A2D}" type="datetimeFigureOut">
               <a:rPr lang="en-US" smtClean="0"/>
               <a:pPr/>
-              <a:t>5/5/15</a:t>
+              <a:t>5/16/2015</a:t>
             </a:fld>
             <a:endParaRPr lang="en-US"/>
           </a:p>
@@ -2228,7 +2239,7 @@
             <a:fld id="{D9D26CB9-01E4-44B8-8084-BCC418CF4A2D}" type="datetimeFigureOut">
               <a:rPr lang="en-US" smtClean="0"/>
               <a:pPr/>
-              <a:t>5/5/15</a:t>
+              <a:t>5/16/2015</a:t>
             </a:fld>
             <a:endParaRPr lang="en-US"/>
           </a:p>
@@ -2478,7 +2489,7 @@
             <a:fld id="{D9D26CB9-01E4-44B8-8084-BCC418CF4A2D}" type="datetimeFigureOut">
               <a:rPr lang="en-US" smtClean="0"/>
               <a:pPr/>
-              <a:t>5/5/15</a:t>
+              <a:t>5/16/2015</a:t>
             </a:fld>
             <a:endParaRPr lang="en-US"/>
           </a:p>
@@ -2688,7 +2699,7 @@
             <a:fld id="{D9D26CB9-01E4-44B8-8084-BCC418CF4A2D}" type="datetimeFigureOut">
               <a:rPr lang="en-US" smtClean="0"/>
               <a:pPr/>
-              <a:t>5/5/15</a:t>
+              <a:t>5/16/2015</a:t>
             </a:fld>
             <a:endParaRPr lang="en-US"/>
           </a:p>
@@ -3061,39 +3072,149 @@
       </p:grpSpPr>
       <p:sp>
         <p:nvSpPr>
-          <p:cNvPr id="3" name="Subtitle 2"/>
-          <p:cNvSpPr>
-            <a:spLocks noGrp="1"/>
-          </p:cNvSpPr>
-          <p:nvPr>
-            <p:ph type="subTitle" idx="1"/>
-          </p:nvPr>
+          <p:cNvPr id="5" name="TextBox 4"/>
+          <p:cNvSpPr txBox="1"/>
+          <p:nvPr/>
         </p:nvSpPr>
         <p:spPr>
           <a:xfrm>
-            <a:off x="783773" y="0"/>
-            <a:ext cx="43107428" cy="28575000"/>
+            <a:off x="997527" y="31341551"/>
+            <a:ext cx="42388972" cy="1413391"/>
           </a:xfrm>
+          <a:prstGeom prst="rect">
+            <a:avLst/>
+          </a:prstGeom>
           <a:solidFill>
-            <a:srgbClr val="A8B400">
-              <a:alpha val="41000"/>
-            </a:srgbClr>
+            <a:srgbClr val="A8B400"/>
           </a:solidFill>
         </p:spPr>
         <p:txBody>
-          <a:bodyPr>
-            <a:normAutofit/>
+          <a:bodyPr wrap="square" lIns="73841" tIns="36921" rIns="73841" bIns="36921" rtlCol="0">
+            <a:spAutoFit/>
           </a:bodyPr>
           <a:lstStyle/>
           <a:p>
-            <a:endParaRPr lang="en-US" sz="19000" dirty="0">
-              <a:solidFill>
-                <a:srgbClr val="FAFFBD"/>
-              </a:solidFill>
+            <a:r>
+              <a:rPr lang="en-US" dirty="0" smtClean="0"/>
+              <a:t>Department of Electrical and Computer Engineering</a:t>
+            </a:r>
+            <a:endParaRPr lang="en-US" dirty="0"/>
+          </a:p>
+        </p:txBody>
+      </p:sp>
+      <p:sp>
+        <p:nvSpPr>
+          <p:cNvPr id="7" name="TextBox 6"/>
+          <p:cNvSpPr txBox="1"/>
+          <p:nvPr/>
+        </p:nvSpPr>
+        <p:spPr>
+          <a:xfrm>
+            <a:off x="16228069" y="9448800"/>
+            <a:ext cx="13454743" cy="1413391"/>
+          </a:xfrm>
+          <a:prstGeom prst="rect">
+            <a:avLst/>
+          </a:prstGeom>
+          <a:noFill/>
+          <a:ln>
+            <a:solidFill>
+              <a:schemeClr val="accent1"/>
+            </a:solidFill>
+          </a:ln>
+        </p:spPr>
+        <p:txBody>
+          <a:bodyPr wrap="square" lIns="73841" tIns="36921" rIns="73841" bIns="36921" rtlCol="0">
+            <a:spAutoFit/>
+          </a:bodyPr>
+          <a:lstStyle/>
+          <a:p>
+            <a:pPr algn="ctr"/>
+            <a:r>
+              <a:rPr lang="en-US" dirty="0" smtClean="0">
+                <a:solidFill>
+                  <a:srgbClr val="6A7F10"/>
+                </a:solidFill>
+              </a:rPr>
+              <a:t>DAQ Comparison</a:t>
+            </a:r>
+          </a:p>
+        </p:txBody>
+      </p:sp>
+      <p:sp>
+        <p:nvSpPr>
+          <p:cNvPr id="10" name="TextBox 9"/>
+          <p:cNvSpPr txBox="1"/>
+          <p:nvPr/>
+        </p:nvSpPr>
+        <p:spPr>
+          <a:xfrm>
+            <a:off x="997527" y="832563"/>
+            <a:ext cx="42893673" cy="3053637"/>
+          </a:xfrm>
+          <a:prstGeom prst="rect">
+            <a:avLst/>
+          </a:prstGeom>
+          <a:solidFill>
+            <a:srgbClr val="A8B400"/>
+          </a:solidFill>
+          <a:ln>
+            <a:solidFill>
+              <a:schemeClr val="tx2"/>
+            </a:solidFill>
+          </a:ln>
+        </p:spPr>
+        <p:txBody>
+          <a:bodyPr wrap="square" lIns="73841" tIns="36921" rIns="73841" bIns="36921" rtlCol="0">
+            <a:spAutoFit/>
+          </a:bodyPr>
+          <a:lstStyle/>
+          <a:p>
+            <a:pPr algn="ctr"/>
+            <a:r>
+              <a:rPr lang="en-US" sz="19000" dirty="0" smtClean="0"/>
+              <a:t>PSAS - Marionette </a:t>
+            </a:r>
+            <a:r>
+              <a:rPr lang="en-US" sz="19000" dirty="0" smtClean="0"/>
+              <a:t>DAQ</a:t>
+            </a:r>
+            <a:endParaRPr lang="en-US" sz="19000" b="1" dirty="0">
+              <a:latin typeface="Garamond" pitchFamily="18" charset="0"/>
             </a:endParaRPr>
           </a:p>
         </p:txBody>
       </p:sp>
+      <p:pic>
+        <p:nvPicPr>
+          <p:cNvPr id="11" name="Picture 10" descr="Screen Shot 2015-05-05 at 8.21.23 PM.png"/>
+          <p:cNvPicPr>
+            <a:picLocks noChangeAspect="1"/>
+          </p:cNvPicPr>
+          <p:nvPr/>
+        </p:nvPicPr>
+        <p:blipFill>
+          <a:blip r:embed="rId2">
+            <a:extLst>
+              <a:ext uri="{28A0092B-C50C-407E-A947-70E740481C1C}">
+                <a14:useLocalDpi xmlns:a14="http://schemas.microsoft.com/office/drawing/2010/main" val="0"/>
+              </a:ext>
+            </a:extLst>
+          </a:blip>
+          <a:stretch>
+            <a:fillRect/>
+          </a:stretch>
+        </p:blipFill>
+        <p:spPr>
+          <a:xfrm>
+            <a:off x="15433981" y="11223306"/>
+            <a:ext cx="15042920" cy="8764845"/>
+          </a:xfrm>
+          <a:prstGeom prst="rect">
+            <a:avLst/>
+          </a:prstGeom>
+        </p:spPr>
+      </p:pic>
       <p:pic>
         <p:nvPicPr>
           <p:cNvPr id="4" name="Picture 3" descr="psu-mcecs_logo.jpg"/>
@@ -3103,7 +3224,7 @@
           <p:nvPr/>
         </p:nvPicPr>
         <p:blipFill>
-          <a:blip r:embed="rId2"/>
+          <a:blip r:embed="rId3"/>
           <a:stretch>
             <a:fillRect/>
           </a:stretch>
@@ -3120,378 +3241,14 @@
       </p:pic>
       <p:sp>
         <p:nvSpPr>
-          <p:cNvPr id="5" name="TextBox 4"/>
+          <p:cNvPr id="2" name="TextBox 1"/>
           <p:cNvSpPr txBox="1"/>
           <p:nvPr/>
         </p:nvSpPr>
         <p:spPr>
           <a:xfrm>
-            <a:off x="1502228" y="29994690"/>
-            <a:ext cx="25668515" cy="1437810"/>
-          </a:xfrm>
-          <a:prstGeom prst="rect">
-            <a:avLst/>
-          </a:prstGeom>
-          <a:noFill/>
-        </p:spPr>
-        <p:txBody>
-          <a:bodyPr wrap="square" lIns="73841" tIns="36921" rIns="73841" bIns="36921" rtlCol="0">
-            <a:spAutoFit/>
-          </a:bodyPr>
-          <a:lstStyle/>
-          <a:p>
-            <a:r>
-              <a:rPr lang="en-US" dirty="0" smtClean="0"/>
-              <a:t>Department of Electrical and Computer Engineering</a:t>
-            </a:r>
-            <a:endParaRPr lang="en-US" dirty="0"/>
-          </a:p>
-        </p:txBody>
-      </p:sp>
-      <p:sp>
-        <p:nvSpPr>
-          <p:cNvPr id="7" name="TextBox 6"/>
-          <p:cNvSpPr txBox="1"/>
-          <p:nvPr/>
-        </p:nvSpPr>
-        <p:spPr>
-          <a:xfrm>
-            <a:off x="7772400" y="5410200"/>
-            <a:ext cx="13454743" cy="1413391"/>
-          </a:xfrm>
-          <a:prstGeom prst="rect">
-            <a:avLst/>
-          </a:prstGeom>
-          <a:noFill/>
-          <a:ln>
-            <a:noFill/>
-          </a:ln>
-        </p:spPr>
-        <p:txBody>
-          <a:bodyPr wrap="square" lIns="73841" tIns="36921" rIns="73841" bIns="36921" rtlCol="0">
-            <a:spAutoFit/>
-          </a:bodyPr>
-          <a:lstStyle/>
-          <a:p>
-            <a:r>
-              <a:rPr lang="en-US" dirty="0" smtClean="0">
-                <a:latin typeface="Verdana" pitchFamily="34" charset="0"/>
-              </a:rPr>
-              <a:t>DAQ Comparison</a:t>
-            </a:r>
-            <a:endParaRPr lang="en-US" dirty="0" smtClean="0">
-              <a:latin typeface="Verdana" pitchFamily="34" charset="0"/>
-            </a:endParaRPr>
-          </a:p>
-        </p:txBody>
-      </p:sp>
-      <p:pic>
-        <p:nvPicPr>
-          <p:cNvPr id="8" name="Picture 7" descr="wafer.gif"/>
-          <p:cNvPicPr>
-            <a:picLocks noChangeAspect="1"/>
-          </p:cNvPicPr>
-          <p:nvPr/>
-        </p:nvPicPr>
-        <p:blipFill>
-          <a:blip r:embed="rId3"/>
-          <a:stretch>
-            <a:fillRect/>
-          </a:stretch>
-        </p:blipFill>
-        <p:spPr>
-          <a:xfrm>
-            <a:off x="32657144" y="6915150"/>
-            <a:ext cx="10175900" cy="5715000"/>
-          </a:xfrm>
-          <a:prstGeom prst="rect">
-            <a:avLst/>
-          </a:prstGeom>
-          <a:ln>
-            <a:solidFill>
-              <a:srgbClr val="00759A"/>
-            </a:solidFill>
-          </a:ln>
-        </p:spPr>
-      </p:pic>
-      <p:pic>
-        <p:nvPicPr>
-          <p:cNvPr id="9" name="Picture 8" descr="wafer.gif"/>
-          <p:cNvPicPr>
-            <a:picLocks noChangeAspect="1"/>
-          </p:cNvPicPr>
-          <p:nvPr/>
-        </p:nvPicPr>
-        <p:blipFill>
-          <a:blip r:embed="rId3"/>
-          <a:stretch>
-            <a:fillRect/>
-          </a:stretch>
-        </p:blipFill>
-        <p:spPr>
-          <a:xfrm>
-            <a:off x="32696728" y="13716000"/>
-            <a:ext cx="10207408" cy="5715000"/>
-          </a:xfrm>
-          <a:prstGeom prst="rect">
-            <a:avLst/>
-          </a:prstGeom>
-          <a:ln>
-            <a:solidFill>
-              <a:srgbClr val="00759A"/>
-            </a:solidFill>
-          </a:ln>
-        </p:spPr>
-      </p:pic>
-      <p:sp>
-        <p:nvSpPr>
-          <p:cNvPr id="13" name="TextBox 12"/>
-          <p:cNvSpPr txBox="1"/>
-          <p:nvPr/>
-        </p:nvSpPr>
-        <p:spPr>
-          <a:xfrm>
-            <a:off x="1763486" y="14916150"/>
-            <a:ext cx="15806057" cy="1413391"/>
-          </a:xfrm>
-          <a:prstGeom prst="rect">
-            <a:avLst/>
-          </a:prstGeom>
-          <a:noFill/>
-          <a:ln>
-            <a:noFill/>
-          </a:ln>
-        </p:spPr>
-        <p:txBody>
-          <a:bodyPr wrap="square" lIns="73841" tIns="36921" rIns="73841" bIns="36921" rtlCol="0">
-            <a:spAutoFit/>
-          </a:bodyPr>
-          <a:lstStyle/>
-          <a:p>
-            <a:endParaRPr lang="en-US" dirty="0" smtClean="0">
-              <a:latin typeface="Verdana" pitchFamily="34" charset="0"/>
-            </a:endParaRPr>
-          </a:p>
-        </p:txBody>
-      </p:sp>
-      <p:sp>
-        <p:nvSpPr>
-          <p:cNvPr id="14" name="TextBox 13"/>
-          <p:cNvSpPr txBox="1"/>
-          <p:nvPr/>
-        </p:nvSpPr>
-        <p:spPr>
-          <a:xfrm>
-            <a:off x="221673" y="571500"/>
-            <a:ext cx="43891200" cy="3053637"/>
-          </a:xfrm>
-          <a:prstGeom prst="rect">
-            <a:avLst/>
-          </a:prstGeom>
-          <a:solidFill>
-            <a:srgbClr val="00759A"/>
-          </a:solidFill>
-        </p:spPr>
-        <p:txBody>
-          <a:bodyPr wrap="square" lIns="73841" tIns="36921" rIns="73841" bIns="36921" rtlCol="0">
-            <a:spAutoFit/>
-          </a:bodyPr>
-          <a:lstStyle/>
-          <a:p>
-            <a:r>
-              <a:rPr lang="en-US" sz="19000" dirty="0" smtClean="0">
-                <a:solidFill>
-                  <a:srgbClr val="6A7F10"/>
-                </a:solidFill>
-              </a:rPr>
-              <a:t>	</a:t>
-            </a:r>
-            <a:endParaRPr lang="en-US" sz="19000" b="1" dirty="0">
-              <a:solidFill>
-                <a:srgbClr val="6A7F10"/>
-              </a:solidFill>
-              <a:latin typeface="Garamond" pitchFamily="18" charset="0"/>
-            </a:endParaRPr>
-          </a:p>
-        </p:txBody>
-      </p:sp>
-      <p:sp>
-        <p:nvSpPr>
-          <p:cNvPr id="15" name="Rectangle 14"/>
-          <p:cNvSpPr/>
-          <p:nvPr/>
-        </p:nvSpPr>
-        <p:spPr>
-          <a:xfrm flipH="1">
-            <a:off x="1" y="0"/>
-            <a:ext cx="391885" cy="32918400"/>
-          </a:xfrm>
-          <a:prstGeom prst="rect">
-            <a:avLst/>
-          </a:prstGeom>
-          <a:ln>
-            <a:noFill/>
-          </a:ln>
-        </p:spPr>
-        <p:style>
-          <a:lnRef idx="2">
-            <a:schemeClr val="accent1">
-              <a:shade val="50000"/>
-            </a:schemeClr>
-          </a:lnRef>
-          <a:fillRef idx="1">
-            <a:schemeClr val="accent1"/>
-          </a:fillRef>
-          <a:effectRef idx="0">
-            <a:schemeClr val="accent1"/>
-          </a:effectRef>
-          <a:fontRef idx="minor">
-            <a:schemeClr val="lt1"/>
-          </a:fontRef>
-        </p:style>
-        <p:txBody>
-          <a:bodyPr lIns="73841" tIns="36921" rIns="73841" bIns="36921" rtlCol="0" anchor="ctr"/>
-          <a:lstStyle/>
-          <a:p>
-            <a:pPr algn="ctr"/>
-            <a:endParaRPr lang="en-US"/>
-          </a:p>
-        </p:txBody>
-      </p:sp>
-      <p:sp>
-        <p:nvSpPr>
-          <p:cNvPr id="16" name="Rectangle 15"/>
-          <p:cNvSpPr/>
-          <p:nvPr/>
-        </p:nvSpPr>
-        <p:spPr>
-          <a:xfrm flipH="1">
-            <a:off x="391887" y="0"/>
-            <a:ext cx="391885" cy="32918400"/>
-          </a:xfrm>
-          <a:prstGeom prst="rect">
-            <a:avLst/>
-          </a:prstGeom>
-          <a:solidFill>
-            <a:schemeClr val="accent1">
-              <a:alpha val="80000"/>
-            </a:schemeClr>
-          </a:solidFill>
-          <a:ln>
-            <a:noFill/>
-          </a:ln>
-        </p:spPr>
-        <p:style>
-          <a:lnRef idx="2">
-            <a:schemeClr val="accent1">
-              <a:shade val="50000"/>
-            </a:schemeClr>
-          </a:lnRef>
-          <a:fillRef idx="1">
-            <a:schemeClr val="accent1"/>
-          </a:fillRef>
-          <a:effectRef idx="0">
-            <a:schemeClr val="accent1"/>
-          </a:effectRef>
-          <a:fontRef idx="minor">
-            <a:schemeClr val="lt1"/>
-          </a:fontRef>
-        </p:style>
-        <p:txBody>
-          <a:bodyPr lIns="73841" tIns="36921" rIns="73841" bIns="36921" rtlCol="0" anchor="ctr"/>
-          <a:lstStyle/>
-          <a:p>
-            <a:pPr algn="ctr"/>
-            <a:endParaRPr lang="en-US"/>
-          </a:p>
-        </p:txBody>
-      </p:sp>
-      <p:sp>
-        <p:nvSpPr>
-          <p:cNvPr id="10" name="TextBox 9"/>
-          <p:cNvSpPr txBox="1"/>
-          <p:nvPr/>
-        </p:nvSpPr>
-        <p:spPr>
-          <a:xfrm>
-            <a:off x="997527" y="832563"/>
-            <a:ext cx="42893673" cy="3053637"/>
-          </a:xfrm>
-          <a:prstGeom prst="rect">
-            <a:avLst/>
-          </a:prstGeom>
-          <a:solidFill>
-            <a:srgbClr val="A1D8E0"/>
-          </a:solidFill>
-          <a:ln>
-            <a:solidFill>
-              <a:schemeClr val="tx2"/>
-            </a:solidFill>
-          </a:ln>
-        </p:spPr>
-        <p:txBody>
-          <a:bodyPr wrap="square" lIns="73841" tIns="36921" rIns="73841" bIns="36921" rtlCol="0">
-            <a:spAutoFit/>
-          </a:bodyPr>
-          <a:lstStyle/>
-          <a:p>
-            <a:pPr algn="ctr"/>
-            <a:r>
-              <a:rPr lang="en-US" sz="19000" dirty="0" smtClean="0">
-                <a:solidFill>
-                  <a:srgbClr val="6A7F10"/>
-                </a:solidFill>
-              </a:rPr>
-              <a:t>Marionette DAQ</a:t>
-            </a:r>
-            <a:endParaRPr lang="en-US" sz="19000" b="1" dirty="0">
-              <a:solidFill>
-                <a:srgbClr val="6A7F10"/>
-              </a:solidFill>
-              <a:latin typeface="Garamond" pitchFamily="18" charset="0"/>
-            </a:endParaRPr>
-          </a:p>
-        </p:txBody>
-      </p:sp>
-      <p:pic>
-        <p:nvPicPr>
-          <p:cNvPr id="17" name="Picture 16" descr="wafer.gif"/>
-          <p:cNvPicPr>
-            <a:picLocks noChangeAspect="1"/>
-          </p:cNvPicPr>
-          <p:nvPr/>
-        </p:nvPicPr>
-        <p:blipFill>
-          <a:blip r:embed="rId3"/>
-          <a:stretch>
-            <a:fillRect/>
-          </a:stretch>
-        </p:blipFill>
-        <p:spPr>
-          <a:xfrm>
-            <a:off x="32807564" y="20574000"/>
-            <a:ext cx="10207408" cy="5715000"/>
-          </a:xfrm>
-          <a:prstGeom prst="rect">
-            <a:avLst/>
-          </a:prstGeom>
-          <a:ln>
-            <a:solidFill>
-              <a:srgbClr val="00759A"/>
-            </a:solidFill>
-          </a:ln>
-        </p:spPr>
-      </p:pic>
-      <p:sp>
-        <p:nvSpPr>
-          <p:cNvPr id="19" name="TextBox 18"/>
-          <p:cNvSpPr txBox="1"/>
-          <p:nvPr/>
-        </p:nvSpPr>
-        <p:spPr>
-          <a:xfrm>
-            <a:off x="1752600" y="19735800"/>
-            <a:ext cx="21640800" cy="1244058"/>
+            <a:off x="997527" y="5295538"/>
+            <a:ext cx="13487400" cy="1431161"/>
           </a:xfrm>
           <a:prstGeom prst="rect">
             <a:avLst/>
@@ -3499,54 +3256,43 @@
           <a:noFill/>
           <a:ln>
             <a:solidFill>
-              <a:schemeClr val="tx2"/>
+              <a:schemeClr val="accent1"/>
             </a:solidFill>
           </a:ln>
         </p:spPr>
         <p:txBody>
-          <a:bodyPr wrap="square" lIns="134746" tIns="67373" rIns="134746" bIns="67373" numCol="2" rtlCol="0">
+          <a:bodyPr wrap="square" rtlCol="0">
             <a:spAutoFit/>
           </a:bodyPr>
           <a:lstStyle/>
           <a:p>
-            <a:pPr marL="1143000" indent="-1143000">
-              <a:buFont typeface="Arial"/>
-              <a:buChar char="•"/>
-            </a:pPr>
-            <a:r>
-              <a:rPr lang="en-US" sz="3600" dirty="0" smtClean="0">
-                <a:latin typeface="Verdana" pitchFamily="34" charset="0"/>
+            <a:pPr algn="ctr"/>
+            <a:r>
+              <a:rPr lang="en-US" dirty="0" smtClean="0">
+                <a:solidFill>
+                  <a:srgbClr val="6A7F10"/>
+                </a:solidFill>
               </a:rPr>
-              <a:t>Most DAQs are narrow </a:t>
-            </a:r>
-            <a:r>
-              <a:rPr lang="en-US" sz="3600" smtClean="0">
-                <a:latin typeface="Verdana" pitchFamily="34" charset="0"/>
-              </a:rPr>
-              <a:t>in scope</a:t>
-            </a:r>
-          </a:p>
-          <a:p>
-            <a:pPr marL="1143000" indent="-1143000">
-              <a:buFont typeface="Arial"/>
-              <a:buChar char="•"/>
-            </a:pPr>
-            <a:endParaRPr lang="en-US" sz="3600" dirty="0">
-              <a:latin typeface="Verdana" pitchFamily="34" charset="0"/>
+              <a:t>Summary</a:t>
+            </a:r>
+            <a:endParaRPr lang="en-US" dirty="0">
+              <a:solidFill>
+                <a:srgbClr val="6A7F10"/>
+              </a:solidFill>
             </a:endParaRPr>
           </a:p>
         </p:txBody>
       </p:sp>
       <p:pic>
         <p:nvPicPr>
-          <p:cNvPr id="11" name="Picture 10" descr="Screen Shot 2015-05-05 at 8.21.23 PM.png"/>
+          <p:cNvPr id="6" name="Picture 5"/>
           <p:cNvPicPr>
             <a:picLocks noChangeAspect="1"/>
           </p:cNvPicPr>
           <p:nvPr/>
         </p:nvPicPr>
         <p:blipFill>
-          <a:blip r:embed="rId4">
+          <a:blip r:embed="rId4" cstate="print">
             <a:extLst>
               <a:ext uri="{28A0092B-C50C-407E-A947-70E740481C1C}">
                 <a14:useLocalDpi xmlns:a14="http://schemas.microsoft.com/office/drawing/2010/main" val="0"/>
@@ -3559,14 +3305,394 @@
         </p:blipFill>
         <p:spPr>
           <a:xfrm>
-            <a:off x="1600200" y="6858000"/>
-            <a:ext cx="21793200" cy="12697935"/>
+            <a:off x="30879858" y="5295538"/>
+            <a:ext cx="12535283" cy="6993555"/>
           </a:xfrm>
           <a:prstGeom prst="rect">
             <a:avLst/>
           </a:prstGeom>
         </p:spPr>
       </p:pic>
+      <p:sp>
+        <p:nvSpPr>
+          <p:cNvPr id="12" name="TextBox 11"/>
+          <p:cNvSpPr txBox="1"/>
+          <p:nvPr/>
+        </p:nvSpPr>
+        <p:spPr>
+          <a:xfrm>
+            <a:off x="997527" y="6835623"/>
+            <a:ext cx="13487400" cy="11172289"/>
+          </a:xfrm>
+          <a:prstGeom prst="rect">
+            <a:avLst/>
+          </a:prstGeom>
+          <a:noFill/>
+        </p:spPr>
+        <p:txBody>
+          <a:bodyPr wrap="square" rtlCol="0">
+            <a:spAutoFit/>
+          </a:bodyPr>
+          <a:lstStyle/>
+          <a:p>
+            <a:r>
+              <a:rPr lang="en-US" sz="6000" dirty="0" smtClean="0"/>
+              <a:t>The marionette DAQ is a an open source data acquisition device designed for the Portland State Aeronautical Society for use in their rocket launches. The underlying goal of the project is to provide a DAQ that is : </a:t>
+            </a:r>
+          </a:p>
+          <a:p>
+            <a:pPr marL="857250" indent="-857250">
+              <a:buFont typeface="Arial" panose="020B0604020202020204" pitchFamily="34" charset="0"/>
+              <a:buChar char="•"/>
+            </a:pPr>
+            <a:r>
+              <a:rPr lang="en-US" sz="6000" dirty="0" smtClean="0"/>
+              <a:t>Completely Open Source (Hardware, Firmware, and Software).</a:t>
+            </a:r>
+          </a:p>
+          <a:p>
+            <a:pPr marL="857250" indent="-857250">
+              <a:buFont typeface="Arial" panose="020B0604020202020204" pitchFamily="34" charset="0"/>
+              <a:buChar char="•"/>
+            </a:pPr>
+            <a:r>
+              <a:rPr lang="en-US" sz="6000" dirty="0" smtClean="0"/>
+              <a:t>Provides more connectivity than any other device currently on the market at a reasonable and affordable cost.</a:t>
+            </a:r>
+          </a:p>
+          <a:p>
+            <a:endParaRPr lang="en-US" sz="6000" dirty="0"/>
+          </a:p>
+        </p:txBody>
+      </p:sp>
+      <p:sp>
+        <p:nvSpPr>
+          <p:cNvPr id="20" name="TextBox 19"/>
+          <p:cNvSpPr txBox="1"/>
+          <p:nvPr/>
+        </p:nvSpPr>
+        <p:spPr>
+          <a:xfrm>
+            <a:off x="993516" y="18651556"/>
+            <a:ext cx="13487400" cy="1431161"/>
+          </a:xfrm>
+          <a:prstGeom prst="rect">
+            <a:avLst/>
+          </a:prstGeom>
+          <a:noFill/>
+          <a:ln>
+            <a:solidFill>
+              <a:schemeClr val="accent1"/>
+            </a:solidFill>
+          </a:ln>
+        </p:spPr>
+        <p:txBody>
+          <a:bodyPr wrap="square" rtlCol="0">
+            <a:spAutoFit/>
+          </a:bodyPr>
+          <a:lstStyle/>
+          <a:p>
+            <a:pPr algn="ctr"/>
+            <a:r>
+              <a:rPr lang="en-US" dirty="0" smtClean="0">
+                <a:solidFill>
+                  <a:srgbClr val="6A7F10"/>
+                </a:solidFill>
+              </a:rPr>
+              <a:t>Solution</a:t>
+            </a:r>
+            <a:endParaRPr lang="en-US" dirty="0">
+              <a:solidFill>
+                <a:srgbClr val="6A7F10"/>
+              </a:solidFill>
+            </a:endParaRPr>
+          </a:p>
+        </p:txBody>
+      </p:sp>
+      <p:sp>
+        <p:nvSpPr>
+          <p:cNvPr id="21" name="TextBox 20"/>
+          <p:cNvSpPr txBox="1"/>
+          <p:nvPr/>
+        </p:nvSpPr>
+        <p:spPr>
+          <a:xfrm>
+            <a:off x="997527" y="20082717"/>
+            <a:ext cx="13487400" cy="8402300"/>
+          </a:xfrm>
+          <a:prstGeom prst="rect">
+            <a:avLst/>
+          </a:prstGeom>
+          <a:noFill/>
+        </p:spPr>
+        <p:txBody>
+          <a:bodyPr wrap="square" rtlCol="0">
+            <a:spAutoFit/>
+          </a:bodyPr>
+          <a:lstStyle/>
+          <a:p>
+            <a:pPr marL="857250" indent="-857250">
+              <a:buFont typeface="Arial" panose="020B0604020202020204" pitchFamily="34" charset="0"/>
+              <a:buChar char="•"/>
+            </a:pPr>
+            <a:r>
+              <a:rPr lang="en-US" sz="6000" dirty="0" smtClean="0"/>
+              <a:t>Off the shelf 32bit microcontroller with high speed USB</a:t>
+            </a:r>
+          </a:p>
+          <a:p>
+            <a:pPr marL="857250" indent="-857250">
+              <a:buFont typeface="Arial" panose="020B0604020202020204" pitchFamily="34" charset="0"/>
+              <a:buChar char="•"/>
+            </a:pPr>
+            <a:r>
+              <a:rPr lang="en-US" sz="6000" dirty="0" smtClean="0"/>
+              <a:t>Easy to assemble, components can be placed by hand.</a:t>
+            </a:r>
+          </a:p>
+          <a:p>
+            <a:pPr marL="857250" indent="-857250">
+              <a:buFont typeface="Arial" panose="020B0604020202020204" pitchFamily="34" charset="0"/>
+              <a:buChar char="•"/>
+            </a:pPr>
+            <a:r>
+              <a:rPr lang="en-US" sz="6000" dirty="0" smtClean="0"/>
+              <a:t>A real time operating system (</a:t>
+            </a:r>
+            <a:r>
+              <a:rPr lang="en-US" sz="6000" dirty="0" err="1" smtClean="0"/>
+              <a:t>ChibiOS</a:t>
+            </a:r>
+            <a:r>
+              <a:rPr lang="en-US" sz="6000" dirty="0" smtClean="0"/>
+              <a:t>) with customized drivers and libraries</a:t>
+            </a:r>
+          </a:p>
+          <a:p>
+            <a:pPr marL="857250" indent="-857250">
+              <a:buFont typeface="Arial" panose="020B0604020202020204" pitchFamily="34" charset="0"/>
+              <a:buChar char="•"/>
+            </a:pPr>
+            <a:r>
+              <a:rPr lang="en-US" sz="6000" dirty="0" smtClean="0"/>
+              <a:t>Uses the Python scripting language for a fully customizable, </a:t>
+            </a:r>
+            <a:r>
+              <a:rPr lang="en-US" sz="6000" dirty="0"/>
+              <a:t>cross-platform </a:t>
+            </a:r>
+            <a:r>
+              <a:rPr lang="en-US" sz="6000" dirty="0" smtClean="0"/>
+              <a:t>user interface. </a:t>
+            </a:r>
+            <a:endParaRPr lang="en-US" sz="6000" dirty="0"/>
+          </a:p>
+        </p:txBody>
+      </p:sp>
+      <p:sp>
+        <p:nvSpPr>
+          <p:cNvPr id="22" name="TextBox 21"/>
+          <p:cNvSpPr txBox="1"/>
+          <p:nvPr/>
+        </p:nvSpPr>
+        <p:spPr>
+          <a:xfrm>
+            <a:off x="16195412" y="20460269"/>
+            <a:ext cx="13487400" cy="1431161"/>
+          </a:xfrm>
+          <a:prstGeom prst="rect">
+            <a:avLst/>
+          </a:prstGeom>
+          <a:noFill/>
+          <a:ln>
+            <a:solidFill>
+              <a:schemeClr val="accent1"/>
+            </a:solidFill>
+          </a:ln>
+        </p:spPr>
+        <p:txBody>
+          <a:bodyPr wrap="square" rtlCol="0">
+            <a:spAutoFit/>
+          </a:bodyPr>
+          <a:lstStyle/>
+          <a:p>
+            <a:pPr algn="ctr"/>
+            <a:r>
+              <a:rPr lang="en-US" dirty="0" smtClean="0">
+                <a:solidFill>
+                  <a:srgbClr val="6A7F10"/>
+                </a:solidFill>
+              </a:rPr>
+              <a:t>Contributing Members</a:t>
+            </a:r>
+            <a:endParaRPr lang="en-US" dirty="0">
+              <a:solidFill>
+                <a:srgbClr val="6A7F10"/>
+              </a:solidFill>
+            </a:endParaRPr>
+          </a:p>
+        </p:txBody>
+      </p:sp>
+      <p:sp>
+        <p:nvSpPr>
+          <p:cNvPr id="24" name="TextBox 23"/>
+          <p:cNvSpPr txBox="1"/>
+          <p:nvPr/>
+        </p:nvSpPr>
+        <p:spPr>
+          <a:xfrm>
+            <a:off x="16195412" y="21891430"/>
+            <a:ext cx="13487400" cy="8402300"/>
+          </a:xfrm>
+          <a:prstGeom prst="rect">
+            <a:avLst/>
+          </a:prstGeom>
+          <a:noFill/>
+        </p:spPr>
+        <p:txBody>
+          <a:bodyPr wrap="square" rtlCol="0">
+            <a:spAutoFit/>
+          </a:bodyPr>
+          <a:lstStyle/>
+          <a:p>
+            <a:r>
+              <a:rPr lang="en-US" sz="6000" dirty="0" smtClean="0"/>
+              <a:t>Capstone Team:</a:t>
+            </a:r>
+          </a:p>
+          <a:p>
+            <a:pPr marL="857250" indent="-857250">
+              <a:buFont typeface="Arial" panose="020B0604020202020204" pitchFamily="34" charset="0"/>
+              <a:buChar char="•"/>
+            </a:pPr>
+            <a:r>
+              <a:rPr lang="en-US" sz="6000" dirty="0" smtClean="0"/>
+              <a:t>Jeff </a:t>
+            </a:r>
+            <a:r>
+              <a:rPr lang="en-US" sz="6000" dirty="0" err="1" smtClean="0"/>
+              <a:t>Alcoke</a:t>
+            </a:r>
+            <a:r>
+              <a:rPr lang="en-US" sz="6000" dirty="0" smtClean="0"/>
+              <a:t>, ECE –Primary HW Designer </a:t>
+            </a:r>
+          </a:p>
+          <a:p>
+            <a:pPr marL="857250" indent="-857250">
+              <a:buFont typeface="Arial" panose="020B0604020202020204" pitchFamily="34" charset="0"/>
+              <a:buChar char="•"/>
+            </a:pPr>
+            <a:r>
+              <a:rPr lang="en-US" sz="6000" dirty="0" smtClean="0"/>
+              <a:t>Seth Ward, ECE – Primary FW Designer</a:t>
+            </a:r>
+          </a:p>
+          <a:p>
+            <a:pPr marL="857250" indent="-857250">
+              <a:buFont typeface="Arial" panose="020B0604020202020204" pitchFamily="34" charset="0"/>
+              <a:buChar char="•"/>
+            </a:pPr>
+            <a:endParaRPr lang="en-US" sz="6000" dirty="0" smtClean="0"/>
+          </a:p>
+          <a:p>
+            <a:r>
+              <a:rPr lang="en-US" sz="6000" dirty="0" smtClean="0"/>
+              <a:t>Special thanks to:</a:t>
+            </a:r>
+          </a:p>
+          <a:p>
+            <a:pPr marL="857250" indent="-857250">
+              <a:buFont typeface="Arial" panose="020B0604020202020204" pitchFamily="34" charset="0"/>
+              <a:buChar char="•"/>
+            </a:pPr>
+            <a:r>
+              <a:rPr lang="en-US" sz="6000" dirty="0" smtClean="0"/>
+              <a:t>Andrew Greenberg</a:t>
+            </a:r>
+          </a:p>
+          <a:p>
+            <a:pPr marL="857250" indent="-857250">
+              <a:buFont typeface="Arial" panose="020B0604020202020204" pitchFamily="34" charset="0"/>
+              <a:buChar char="•"/>
+            </a:pPr>
+            <a:r>
+              <a:rPr lang="en-US" sz="6000" dirty="0" smtClean="0"/>
+              <a:t>K. Wilson</a:t>
+            </a:r>
+          </a:p>
+          <a:p>
+            <a:pPr marL="857250" indent="-857250">
+              <a:buFont typeface="Arial" panose="020B0604020202020204" pitchFamily="34" charset="0"/>
+              <a:buChar char="•"/>
+            </a:pPr>
+            <a:r>
+              <a:rPr lang="en-US" sz="6000" dirty="0" smtClean="0"/>
+              <a:t>Gavin </a:t>
+            </a:r>
+            <a:r>
+              <a:rPr lang="en-US" sz="6000" dirty="0" err="1" smtClean="0"/>
+              <a:t>Gallino</a:t>
+            </a:r>
+            <a:endParaRPr lang="en-US" sz="6000" dirty="0" smtClean="0"/>
+          </a:p>
+          <a:p>
+            <a:pPr marL="857250" indent="-857250">
+              <a:buFont typeface="Arial" panose="020B0604020202020204" pitchFamily="34" charset="0"/>
+              <a:buChar char="•"/>
+            </a:pPr>
+            <a:r>
+              <a:rPr lang="en-US" sz="6000" dirty="0" smtClean="0"/>
+              <a:t>Dave Camarillo</a:t>
+            </a:r>
+            <a:endParaRPr lang="en-US" sz="6000" dirty="0"/>
+          </a:p>
+        </p:txBody>
+      </p:sp>
+      <p:sp>
+        <p:nvSpPr>
+          <p:cNvPr id="25" name="TextBox 24"/>
+          <p:cNvSpPr txBox="1"/>
+          <p:nvPr/>
+        </p:nvSpPr>
+        <p:spPr>
+          <a:xfrm>
+            <a:off x="30879858" y="14229278"/>
+            <a:ext cx="12506641" cy="1431161"/>
+          </a:xfrm>
+          <a:prstGeom prst="rect">
+            <a:avLst/>
+          </a:prstGeom>
+          <a:noFill/>
+          <a:ln>
+            <a:solidFill>
+              <a:schemeClr val="accent1"/>
+            </a:solidFill>
+          </a:ln>
+        </p:spPr>
+        <p:txBody>
+          <a:bodyPr wrap="square" rtlCol="0">
+            <a:spAutoFit/>
+          </a:bodyPr>
+          <a:lstStyle/>
+          <a:p>
+            <a:pPr algn="ctr"/>
+            <a:r>
+              <a:rPr lang="en-US" dirty="0" smtClean="0">
+                <a:solidFill>
+                  <a:srgbClr val="6A7F10"/>
+                </a:solidFill>
+              </a:rPr>
+              <a:t>More Stuff</a:t>
+            </a:r>
+            <a:endParaRPr lang="en-US" dirty="0">
+              <a:solidFill>
+                <a:srgbClr val="6A7F10"/>
+              </a:solidFill>
+            </a:endParaRPr>
+          </a:p>
+        </p:txBody>
+      </p:sp>
     </p:spTree>
   </p:cSld>
   <p:clrMapOvr>
@@ -3575,7 +3701,7 @@
   <p:timing>
     <p:tnLst>
       <p:par>
-        <p:cTn xmlns:p14="http://schemas.microsoft.com/office/powerpoint/2010/main" id="1" dur="indefinite" restart="never" nodeType="tmRoot"/>
+        <p:cTn id="1" dur="indefinite" restart="never" nodeType="tmRoot"/>
       </p:par>
     </p:tnLst>
   </p:timing>

--- a/Poster.pptx
+++ b/Poster.pptx
@@ -3575,7 +3575,7 @@
             </a:r>
             <a:r>
               <a:rPr lang="en-US" sz="6000" dirty="0" smtClean="0"/>
-              <a:t>, ECE –Primary HW Designer </a:t>
+              <a:t>, ECE –Project HW Designer </a:t>
             </a:r>
           </a:p>
           <a:p>
@@ -3585,7 +3585,15 @@
             </a:pPr>
             <a:r>
               <a:rPr lang="en-US" sz="6000" dirty="0" smtClean="0"/>
-              <a:t>Seth Ward, ECE – Primary FW Designer</a:t>
+              <a:t>Seth Ward, ECE </a:t>
+            </a:r>
+            <a:r>
+              <a:rPr lang="en-US" sz="6000" smtClean="0"/>
+              <a:t>– Project FW </a:t>
+            </a:r>
+            <a:r>
+              <a:rPr lang="en-US" sz="6000" dirty="0" smtClean="0"/>
+              <a:t>Designer</a:t>
             </a:r>
           </a:p>
           <a:p>

--- a/Poster.pptx
+++ b/Poster.pptx
@@ -3585,11 +3585,11 @@
             </a:pPr>
             <a:r>
               <a:rPr lang="en-US" sz="6000" dirty="0" smtClean="0"/>
-              <a:t>Seth Ward, ECE </a:t>
+              <a:t>Seth Ward, ECE – </a:t>
             </a:r>
             <a:r>
               <a:rPr lang="en-US" sz="6000" smtClean="0"/>
-              <a:t>– Project FW </a:t>
+              <a:t>Project FW </a:t>
             </a:r>
             <a:r>
               <a:rPr lang="en-US" sz="6000" dirty="0" smtClean="0"/>

--- a/Poster.pptx
+++ b/Poster.pptx
@@ -3542,7 +3542,7 @@
         <p:spPr>
           <a:xfrm>
             <a:off x="16195412" y="21891430"/>
-            <a:ext cx="13487400" cy="8402300"/>
+            <a:ext cx="13487400" cy="2862322"/>
           </a:xfrm>
           <a:prstGeom prst="rect">
             <a:avLst/>
@@ -3585,75 +3585,8 @@
             </a:pPr>
             <a:r>
               <a:rPr lang="en-US" sz="6000" dirty="0" smtClean="0"/>
-              <a:t>Seth Ward, ECE – </a:t>
-            </a:r>
-            <a:r>
-              <a:rPr lang="en-US" sz="6000" smtClean="0"/>
-              <a:t>Project FW </a:t>
-            </a:r>
-            <a:r>
-              <a:rPr lang="en-US" sz="6000" dirty="0" smtClean="0"/>
-              <a:t>Designer</a:t>
-            </a:r>
-          </a:p>
-          <a:p>
-            <a:pPr marL="857250" indent="-857250">
-              <a:buFont typeface="Arial" panose="020B0604020202020204" pitchFamily="34" charset="0"/>
-              <a:buChar char="•"/>
-            </a:pPr>
-            <a:endParaRPr lang="en-US" sz="6000" dirty="0" smtClean="0"/>
-          </a:p>
-          <a:p>
-            <a:r>
-              <a:rPr lang="en-US" sz="6000" dirty="0" smtClean="0"/>
-              <a:t>Special thanks to:</a:t>
-            </a:r>
-          </a:p>
-          <a:p>
-            <a:pPr marL="857250" indent="-857250">
-              <a:buFont typeface="Arial" panose="020B0604020202020204" pitchFamily="34" charset="0"/>
-              <a:buChar char="•"/>
-            </a:pPr>
-            <a:r>
-              <a:rPr lang="en-US" sz="6000" dirty="0" smtClean="0"/>
-              <a:t>Andrew Greenberg</a:t>
-            </a:r>
-          </a:p>
-          <a:p>
-            <a:pPr marL="857250" indent="-857250">
-              <a:buFont typeface="Arial" panose="020B0604020202020204" pitchFamily="34" charset="0"/>
-              <a:buChar char="•"/>
-            </a:pPr>
-            <a:r>
-              <a:rPr lang="en-US" sz="6000" dirty="0" smtClean="0"/>
-              <a:t>K. Wilson</a:t>
-            </a:r>
-          </a:p>
-          <a:p>
-            <a:pPr marL="857250" indent="-857250">
-              <a:buFont typeface="Arial" panose="020B0604020202020204" pitchFamily="34" charset="0"/>
-              <a:buChar char="•"/>
-            </a:pPr>
-            <a:r>
-              <a:rPr lang="en-US" sz="6000" dirty="0" smtClean="0"/>
-              <a:t>Gavin </a:t>
-            </a:r>
-            <a:r>
-              <a:rPr lang="en-US" sz="6000" dirty="0" err="1" smtClean="0"/>
-              <a:t>Gallino</a:t>
-            </a:r>
-            <a:endParaRPr lang="en-US" sz="6000" dirty="0" smtClean="0"/>
-          </a:p>
-          <a:p>
-            <a:pPr marL="857250" indent="-857250">
-              <a:buFont typeface="Arial" panose="020B0604020202020204" pitchFamily="34" charset="0"/>
-              <a:buChar char="•"/>
-            </a:pPr>
-            <a:r>
-              <a:rPr lang="en-US" sz="6000" dirty="0" smtClean="0"/>
-              <a:t>Dave Camarillo</a:t>
-            </a:r>
-            <a:endParaRPr lang="en-US" sz="6000" dirty="0"/>
+              <a:t>Seth Ward, ECE – Project FW Designer</a:t>
+            </a:r>
           </a:p>
         </p:txBody>
       </p:sp>
@@ -3698,6 +3631,110 @@
                 <a:srgbClr val="6A7F10"/>
               </a:solidFill>
             </a:endParaRPr>
+          </a:p>
+        </p:txBody>
+      </p:sp>
+      <p:sp>
+        <p:nvSpPr>
+          <p:cNvPr id="26" name="TextBox 25"/>
+          <p:cNvSpPr txBox="1"/>
+          <p:nvPr/>
+        </p:nvSpPr>
+        <p:spPr>
+          <a:xfrm>
+            <a:off x="16195412" y="25953340"/>
+            <a:ext cx="13487400" cy="3785652"/>
+          </a:xfrm>
+          <a:prstGeom prst="rect">
+            <a:avLst/>
+          </a:prstGeom>
+          <a:noFill/>
+        </p:spPr>
+        <p:txBody>
+          <a:bodyPr wrap="square" numCol="2" rtlCol="0">
+            <a:spAutoFit/>
+          </a:bodyPr>
+          <a:lstStyle/>
+          <a:p>
+            <a:endParaRPr lang="en-US" sz="6000" dirty="0" smtClean="0"/>
+          </a:p>
+          <a:p>
+            <a:pPr marL="857250" indent="-857250">
+              <a:buFont typeface="Arial" panose="020B0604020202020204" pitchFamily="34" charset="0"/>
+              <a:buChar char="•"/>
+            </a:pPr>
+            <a:r>
+              <a:rPr lang="en-US" sz="6000" dirty="0" smtClean="0"/>
+              <a:t>Andrew Greenberg</a:t>
+            </a:r>
+          </a:p>
+          <a:p>
+            <a:pPr marL="857250" indent="-857250">
+              <a:buFont typeface="Arial" panose="020B0604020202020204" pitchFamily="34" charset="0"/>
+              <a:buChar char="•"/>
+            </a:pPr>
+            <a:r>
+              <a:rPr lang="en-US" sz="6000" dirty="0" smtClean="0"/>
+              <a:t>K. Wilson</a:t>
+            </a:r>
+          </a:p>
+          <a:p>
+            <a:endParaRPr lang="en-US" sz="6000" dirty="0" smtClean="0"/>
+          </a:p>
+          <a:p>
+            <a:pPr marL="857250" indent="-857250">
+              <a:buFont typeface="Arial" panose="020B0604020202020204" pitchFamily="34" charset="0"/>
+              <a:buChar char="•"/>
+            </a:pPr>
+            <a:r>
+              <a:rPr lang="en-US" sz="6000" dirty="0" smtClean="0"/>
+              <a:t>Gavin </a:t>
+            </a:r>
+            <a:r>
+              <a:rPr lang="en-US" sz="6000" dirty="0" err="1" smtClean="0"/>
+              <a:t>Gallino</a:t>
+            </a:r>
+            <a:endParaRPr lang="en-US" sz="6000" dirty="0" smtClean="0"/>
+          </a:p>
+          <a:p>
+            <a:pPr marL="857250" indent="-857250">
+              <a:buFont typeface="Arial" panose="020B0604020202020204" pitchFamily="34" charset="0"/>
+              <a:buChar char="•"/>
+            </a:pPr>
+            <a:r>
+              <a:rPr lang="en-US" sz="6000" dirty="0" smtClean="0"/>
+              <a:t>Dave Camarillo</a:t>
+            </a:r>
+            <a:endParaRPr lang="en-US" sz="6000" dirty="0"/>
+          </a:p>
+        </p:txBody>
+      </p:sp>
+      <p:sp>
+        <p:nvSpPr>
+          <p:cNvPr id="27" name="TextBox 26"/>
+          <p:cNvSpPr txBox="1"/>
+          <p:nvPr/>
+        </p:nvSpPr>
+        <p:spPr>
+          <a:xfrm>
+            <a:off x="16228069" y="25873913"/>
+            <a:ext cx="13487400" cy="1015663"/>
+          </a:xfrm>
+          <a:prstGeom prst="rect">
+            <a:avLst/>
+          </a:prstGeom>
+          <a:noFill/>
+        </p:spPr>
+        <p:txBody>
+          <a:bodyPr wrap="square" rtlCol="0">
+            <a:spAutoFit/>
+          </a:bodyPr>
+          <a:lstStyle/>
+          <a:p>
+            <a:r>
+              <a:rPr lang="en-US" sz="6000" dirty="0" smtClean="0"/>
+              <a:t>Special thanks to:</a:t>
+            </a:r>
           </a:p>
         </p:txBody>
       </p:sp>

--- a/Poster.pptx
+++ b/Poster.pptx
@@ -3643,7 +3643,7 @@
         <p:spPr>
           <a:xfrm>
             <a:off x="16195412" y="25953340"/>
-            <a:ext cx="13487400" cy="3785652"/>
+            <a:ext cx="14684446" cy="3785652"/>
           </a:xfrm>
           <a:prstGeom prst="rect">
             <a:avLst/>
@@ -3679,6 +3679,13 @@
             </a:r>
           </a:p>
           <a:p>
+            <a:endParaRPr lang="en-US" sz="6000" dirty="0" smtClean="0"/>
+          </a:p>
+          <a:p>
+            <a:pPr marL="857250" indent="-857250">
+              <a:buFont typeface="Arial" panose="020B0604020202020204" pitchFamily="34" charset="0"/>
+              <a:buChar char="•"/>
+            </a:pPr>
             <a:endParaRPr lang="en-US" sz="6000" dirty="0" smtClean="0"/>
           </a:p>
           <a:p>

--- a/Poster.pptx
+++ b/Poster.pptx
@@ -300,7 +300,7 @@
             <a:fld id="{D9D26CB9-01E4-44B8-8084-BCC418CF4A2D}" type="datetimeFigureOut">
               <a:rPr lang="en-US" smtClean="0"/>
               <a:pPr/>
-              <a:t>5/16/2015</a:t>
+              <a:t>5/18/15</a:t>
             </a:fld>
             <a:endParaRPr lang="en-US"/>
           </a:p>
@@ -467,7 +467,7 @@
             <a:fld id="{D9D26CB9-01E4-44B8-8084-BCC418CF4A2D}" type="datetimeFigureOut">
               <a:rPr lang="en-US" smtClean="0"/>
               <a:pPr/>
-              <a:t>5/16/2015</a:t>
+              <a:t>5/18/15</a:t>
             </a:fld>
             <a:endParaRPr lang="en-US"/>
           </a:p>
@@ -644,7 +644,7 @@
             <a:fld id="{D9D26CB9-01E4-44B8-8084-BCC418CF4A2D}" type="datetimeFigureOut">
               <a:rPr lang="en-US" smtClean="0"/>
               <a:pPr/>
-              <a:t>5/16/2015</a:t>
+              <a:t>5/18/15</a:t>
             </a:fld>
             <a:endParaRPr lang="en-US"/>
           </a:p>
@@ -811,7 +811,7 @@
             <a:fld id="{D9D26CB9-01E4-44B8-8084-BCC418CF4A2D}" type="datetimeFigureOut">
               <a:rPr lang="en-US" smtClean="0"/>
               <a:pPr/>
-              <a:t>5/16/2015</a:t>
+              <a:t>5/18/15</a:t>
             </a:fld>
             <a:endParaRPr lang="en-US"/>
           </a:p>
@@ -1054,7 +1054,7 @@
             <a:fld id="{D9D26CB9-01E4-44B8-8084-BCC418CF4A2D}" type="datetimeFigureOut">
               <a:rPr lang="en-US" smtClean="0"/>
               <a:pPr/>
-              <a:t>5/16/2015</a:t>
+              <a:t>5/18/15</a:t>
             </a:fld>
             <a:endParaRPr lang="en-US"/>
           </a:p>
@@ -1339,7 +1339,7 @@
             <a:fld id="{D9D26CB9-01E4-44B8-8084-BCC418CF4A2D}" type="datetimeFigureOut">
               <a:rPr lang="en-US" smtClean="0"/>
               <a:pPr/>
-              <a:t>5/16/2015</a:t>
+              <a:t>5/18/15</a:t>
             </a:fld>
             <a:endParaRPr lang="en-US"/>
           </a:p>
@@ -1758,7 +1758,7 @@
             <a:fld id="{D9D26CB9-01E4-44B8-8084-BCC418CF4A2D}" type="datetimeFigureOut">
               <a:rPr lang="en-US" smtClean="0"/>
               <a:pPr/>
-              <a:t>5/16/2015</a:t>
+              <a:t>5/18/15</a:t>
             </a:fld>
             <a:endParaRPr lang="en-US"/>
           </a:p>
@@ -1873,7 +1873,7 @@
             <a:fld id="{D9D26CB9-01E4-44B8-8084-BCC418CF4A2D}" type="datetimeFigureOut">
               <a:rPr lang="en-US" smtClean="0"/>
               <a:pPr/>
-              <a:t>5/16/2015</a:t>
+              <a:t>5/18/15</a:t>
             </a:fld>
             <a:endParaRPr lang="en-US"/>
           </a:p>
@@ -1965,7 +1965,7 @@
             <a:fld id="{D9D26CB9-01E4-44B8-8084-BCC418CF4A2D}" type="datetimeFigureOut">
               <a:rPr lang="en-US" smtClean="0"/>
               <a:pPr/>
-              <a:t>5/16/2015</a:t>
+              <a:t>5/18/15</a:t>
             </a:fld>
             <a:endParaRPr lang="en-US"/>
           </a:p>
@@ -2239,7 +2239,7 @@
             <a:fld id="{D9D26CB9-01E4-44B8-8084-BCC418CF4A2D}" type="datetimeFigureOut">
               <a:rPr lang="en-US" smtClean="0"/>
               <a:pPr/>
-              <a:t>5/16/2015</a:t>
+              <a:t>5/18/15</a:t>
             </a:fld>
             <a:endParaRPr lang="en-US"/>
           </a:p>
@@ -2489,7 +2489,7 @@
             <a:fld id="{D9D26CB9-01E4-44B8-8084-BCC418CF4A2D}" type="datetimeFigureOut">
               <a:rPr lang="en-US" smtClean="0"/>
               <a:pPr/>
-              <a:t>5/16/2015</a:t>
+              <a:t>5/18/15</a:t>
             </a:fld>
             <a:endParaRPr lang="en-US"/>
           </a:p>
@@ -2699,7 +2699,7 @@
             <a:fld id="{D9D26CB9-01E4-44B8-8084-BCC418CF4A2D}" type="datetimeFigureOut">
               <a:rPr lang="en-US" smtClean="0"/>
               <a:pPr/>
-              <a:t>5/16/2015</a:t>
+              <a:t>5/18/15</a:t>
             </a:fld>
             <a:endParaRPr lang="en-US"/>
           </a:p>
@@ -3173,11 +3173,7 @@
             <a:pPr algn="ctr"/>
             <a:r>
               <a:rPr lang="en-US" sz="19000" dirty="0" smtClean="0"/>
-              <a:t>PSAS - Marionette </a:t>
-            </a:r>
-            <a:r>
-              <a:rPr lang="en-US" sz="19000" dirty="0" smtClean="0"/>
-              <a:t>DAQ</a:t>
+              <a:t>PSAS - Marionette DAQ</a:t>
             </a:r>
             <a:endParaRPr lang="en-US" sz="19000" b="1" dirty="0">
               <a:latin typeface="Garamond" pitchFamily="18" charset="0"/>
@@ -3745,6 +3741,36 @@
           </a:p>
         </p:txBody>
       </p:sp>
+      <p:pic>
+        <p:nvPicPr>
+          <p:cNvPr id="3" name="Picture 2" descr="psas_insignia.emf"/>
+          <p:cNvPicPr>
+            <a:picLocks noChangeAspect="1"/>
+          </p:cNvPicPr>
+          <p:nvPr/>
+        </p:nvPicPr>
+        <p:blipFill>
+          <a:blip r:embed="rId5">
+            <a:extLst>
+              <a:ext uri="{28A0092B-C50C-407E-A947-70E740481C1C}">
+                <a14:useLocalDpi xmlns:a14="http://schemas.microsoft.com/office/drawing/2010/main" val="0"/>
+              </a:ext>
+            </a:extLst>
+          </a:blip>
+          <a:stretch>
+            <a:fillRect/>
+          </a:stretch>
+        </p:blipFill>
+        <p:spPr>
+          <a:xfrm>
+            <a:off x="762000" y="304800"/>
+            <a:ext cx="4064000" cy="4064000"/>
+          </a:xfrm>
+          <a:prstGeom prst="rect">
+            <a:avLst/>
+          </a:prstGeom>
+        </p:spPr>
+      </p:pic>
     </p:spTree>
   </p:cSld>
   <p:clrMapOvr>
@@ -3753,7 +3779,7 @@
   <p:timing>
     <p:tnLst>
       <p:par>
-        <p:cTn id="1" dur="indefinite" restart="never" nodeType="tmRoot"/>
+        <p:cTn xmlns:p14="http://schemas.microsoft.com/office/powerpoint/2010/main" id="1" dur="indefinite" restart="never" nodeType="tmRoot"/>
       </p:par>
     </p:tnLst>
   </p:timing>

--- a/Poster.pptx
+++ b/Poster.pptx
@@ -3078,8 +3078,8 @@
         </p:nvSpPr>
         <p:spPr>
           <a:xfrm>
-            <a:off x="997527" y="31341551"/>
-            <a:ext cx="42388972" cy="1413391"/>
+            <a:off x="1066800" y="29489408"/>
+            <a:ext cx="41965082" cy="2752219"/>
           </a:xfrm>
           <a:prstGeom prst="rect">
             <a:avLst/>
@@ -3094,10 +3094,11 @@
           </a:bodyPr>
           <a:lstStyle/>
           <a:p>
-            <a:r>
-              <a:rPr lang="en-US" dirty="0" smtClean="0"/>
-              <a:t>Department of Electrical and Computer Engineering</a:t>
-            </a:r>
+            <a:pPr algn="ctr"/>
+            <a:endParaRPr lang="en-US" dirty="0" smtClean="0"/>
+          </a:p>
+          <a:p>
+            <a:pPr algn="ctr"/>
             <a:endParaRPr lang="en-US" dirty="0"/>
           </a:p>
         </p:txBody>
@@ -3149,8 +3150,8 @@
         </p:nvSpPr>
         <p:spPr>
           <a:xfrm>
-            <a:off x="997527" y="832563"/>
-            <a:ext cx="42893673" cy="3053637"/>
+            <a:off x="1066800" y="761998"/>
+            <a:ext cx="41961816" cy="3359001"/>
           </a:xfrm>
           <a:prstGeom prst="rect">
             <a:avLst/>
@@ -3172,10 +3173,14 @@
           <a:p>
             <a:pPr algn="ctr"/>
             <a:r>
-              <a:rPr lang="en-US" sz="19000" dirty="0" smtClean="0"/>
-              <a:t>PSAS - Marionette DAQ</a:t>
-            </a:r>
-            <a:endParaRPr lang="en-US" sz="19000" b="1" dirty="0">
+              <a:rPr lang="en-US" sz="19000" i="1" dirty="0" smtClean="0"/>
+              <a:t> Marionette </a:t>
+            </a:r>
+            <a:r>
+              <a:rPr lang="en-US" sz="19000" i="1" dirty="0" smtClean="0"/>
+              <a:t>DAQ</a:t>
+            </a:r>
+            <a:endParaRPr lang="en-US" sz="19000" b="1" i="1" dirty="0">
               <a:latin typeface="Garamond" pitchFamily="18" charset="0"/>
             </a:endParaRPr>
           </a:p>
@@ -3763,7 +3768,7 @@
         </p:blipFill>
         <p:spPr>
           <a:xfrm>
-            <a:off x="762000" y="304800"/>
+            <a:off x="1143000" y="381000"/>
             <a:ext cx="4064000" cy="4064000"/>
           </a:xfrm>
           <a:prstGeom prst="rect">
@@ -3771,6 +3776,36 @@
           </a:prstGeom>
         </p:spPr>
       </p:pic>
+      <p:sp>
+        <p:nvSpPr>
+          <p:cNvPr id="8" name="TextBox 7"/>
+          <p:cNvSpPr txBox="1"/>
+          <p:nvPr/>
+        </p:nvSpPr>
+        <p:spPr>
+          <a:xfrm>
+            <a:off x="1143000" y="30022800"/>
+            <a:ext cx="26441400" cy="1431161"/>
+          </a:xfrm>
+          <a:prstGeom prst="rect">
+            <a:avLst/>
+          </a:prstGeom>
+          <a:noFill/>
+        </p:spPr>
+        <p:txBody>
+          <a:bodyPr wrap="square" rtlCol="0">
+            <a:spAutoFit/>
+          </a:bodyPr>
+          <a:lstStyle/>
+          <a:p>
+            <a:pPr algn="ctr"/>
+            <a:r>
+              <a:rPr lang="en-US" dirty="0"/>
+              <a:t>Department of Electrical and Computer Engineering</a:t>
+            </a:r>
+          </a:p>
+        </p:txBody>
+      </p:sp>
     </p:spTree>
   </p:cSld>
   <p:clrMapOvr>

--- a/Poster.pptx
+++ b/Poster.pptx
@@ -3087,6 +3087,11 @@
           <a:solidFill>
             <a:srgbClr val="A8B400"/>
           </a:solidFill>
+          <a:ln>
+            <a:solidFill>
+              <a:schemeClr val="tx1"/>
+            </a:solidFill>
+          </a:ln>
         </p:spPr>
         <p:txBody>
           <a:bodyPr wrap="square" lIns="73841" tIns="36921" rIns="73841" bIns="36921" rtlCol="0">
@@ -3174,11 +3179,7 @@
             <a:pPr algn="ctr"/>
             <a:r>
               <a:rPr lang="en-US" sz="19000" i="1" dirty="0" smtClean="0"/>
-              <a:t> Marionette </a:t>
-            </a:r>
-            <a:r>
-              <a:rPr lang="en-US" sz="19000" i="1" dirty="0" smtClean="0"/>
-              <a:t>DAQ</a:t>
+              <a:t> Marionette DAQ</a:t>
             </a:r>
             <a:endParaRPr lang="en-US" sz="19000" b="1" i="1" dirty="0">
               <a:latin typeface="Garamond" pitchFamily="18" charset="0"/>
@@ -3232,8 +3233,8 @@
         </p:blipFill>
         <p:spPr>
           <a:xfrm>
-            <a:off x="36576001" y="29596555"/>
-            <a:ext cx="6008915" cy="2464595"/>
+            <a:off x="36652200" y="29565600"/>
+            <a:ext cx="6316615" cy="2590800"/>
           </a:xfrm>
           <a:prstGeom prst="rect">
             <a:avLst/>
@@ -3643,7 +3644,7 @@
         </p:nvSpPr>
         <p:spPr>
           <a:xfrm>
-            <a:off x="16195412" y="25953340"/>
+            <a:off x="16230600" y="25069800"/>
             <a:ext cx="14684446" cy="3785652"/>
           </a:xfrm>
           <a:prstGeom prst="rect">
@@ -3725,7 +3726,7 @@
         </p:nvSpPr>
         <p:spPr>
           <a:xfrm>
-            <a:off x="16228069" y="25873913"/>
+            <a:off x="16230600" y="25069800"/>
             <a:ext cx="13487400" cy="1015663"/>
           </a:xfrm>
           <a:prstGeom prst="rect">

--- a/Poster.pptx
+++ b/Poster.pptx
@@ -3189,28 +3189,27 @@
       </p:sp>
       <p:pic>
         <p:nvPicPr>
-          <p:cNvPr id="11" name="Picture 10" descr="Screen Shot 2015-05-05 at 8.21.23 PM.png"/>
+          <p:cNvPr id="11" name="Picture 10"/>
           <p:cNvPicPr>
             <a:picLocks noChangeAspect="1"/>
           </p:cNvPicPr>
           <p:nvPr/>
         </p:nvPicPr>
-        <p:blipFill>
-          <a:blip r:embed="rId2">
+        <p:blipFill rotWithShape="1">
+          <a:blip r:embed="rId2" cstate="print">
             <a:extLst>
               <a:ext uri="{28A0092B-C50C-407E-A947-70E740481C1C}">
-                <a14:useLocalDpi xmlns:a14="http://schemas.microsoft.com/office/drawing/2010/main" val="0"/>
+                <a14:useLocalDpi xmlns:a14="http://schemas.microsoft.com/office/drawing/2010/main"/>
               </a:ext>
             </a:extLst>
           </a:blip>
-          <a:stretch>
-            <a:fillRect/>
-          </a:stretch>
+          <a:srcRect l="2722" t="7731" r="6528" b="8318"/>
+          <a:stretch/>
         </p:blipFill>
         <p:spPr>
           <a:xfrm>
-            <a:off x="15433981" y="11223306"/>
-            <a:ext cx="15042920" cy="8764845"/>
+            <a:off x="15891788" y="11293174"/>
+            <a:ext cx="14106967" cy="8444136"/>
           </a:xfrm>
           <a:prstGeom prst="rect">
             <a:avLst/>
@@ -3297,7 +3296,7 @@
           <a:blip r:embed="rId4" cstate="print">
             <a:extLst>
               <a:ext uri="{28A0092B-C50C-407E-A947-70E740481C1C}">
-                <a14:useLocalDpi xmlns:a14="http://schemas.microsoft.com/office/drawing/2010/main" val="0"/>
+                <a14:useLocalDpi xmlns:a14="http://schemas.microsoft.com/office/drawing/2010/main"/>
               </a:ext>
             </a:extLst>
           </a:blip>
@@ -3759,7 +3758,7 @@
           <a:blip r:embed="rId5">
             <a:extLst>
               <a:ext uri="{28A0092B-C50C-407E-A947-70E740481C1C}">
-                <a14:useLocalDpi xmlns:a14="http://schemas.microsoft.com/office/drawing/2010/main" val="0"/>
+                <a14:useLocalDpi xmlns:a14="http://schemas.microsoft.com/office/drawing/2010/main"/>
               </a:ext>
             </a:extLst>
           </a:blip>

--- a/Poster.pptx
+++ b/Poster.pptx
@@ -300,7 +300,7 @@
             <a:fld id="{D9D26CB9-01E4-44B8-8084-BCC418CF4A2D}" type="datetimeFigureOut">
               <a:rPr lang="en-US" smtClean="0"/>
               <a:pPr/>
-              <a:t>5/18/15</a:t>
+              <a:t>5/20/15</a:t>
             </a:fld>
             <a:endParaRPr lang="en-US"/>
           </a:p>
@@ -467,7 +467,7 @@
             <a:fld id="{D9D26CB9-01E4-44B8-8084-BCC418CF4A2D}" type="datetimeFigureOut">
               <a:rPr lang="en-US" smtClean="0"/>
               <a:pPr/>
-              <a:t>5/18/15</a:t>
+              <a:t>5/20/15</a:t>
             </a:fld>
             <a:endParaRPr lang="en-US"/>
           </a:p>
@@ -644,7 +644,7 @@
             <a:fld id="{D9D26CB9-01E4-44B8-8084-BCC418CF4A2D}" type="datetimeFigureOut">
               <a:rPr lang="en-US" smtClean="0"/>
               <a:pPr/>
-              <a:t>5/18/15</a:t>
+              <a:t>5/20/15</a:t>
             </a:fld>
             <a:endParaRPr lang="en-US"/>
           </a:p>
@@ -811,7 +811,7 @@
             <a:fld id="{D9D26CB9-01E4-44B8-8084-BCC418CF4A2D}" type="datetimeFigureOut">
               <a:rPr lang="en-US" smtClean="0"/>
               <a:pPr/>
-              <a:t>5/18/15</a:t>
+              <a:t>5/20/15</a:t>
             </a:fld>
             <a:endParaRPr lang="en-US"/>
           </a:p>
@@ -1054,7 +1054,7 @@
             <a:fld id="{D9D26CB9-01E4-44B8-8084-BCC418CF4A2D}" type="datetimeFigureOut">
               <a:rPr lang="en-US" smtClean="0"/>
               <a:pPr/>
-              <a:t>5/18/15</a:t>
+              <a:t>5/20/15</a:t>
             </a:fld>
             <a:endParaRPr lang="en-US"/>
           </a:p>
@@ -1339,7 +1339,7 @@
             <a:fld id="{D9D26CB9-01E4-44B8-8084-BCC418CF4A2D}" type="datetimeFigureOut">
               <a:rPr lang="en-US" smtClean="0"/>
               <a:pPr/>
-              <a:t>5/18/15</a:t>
+              <a:t>5/20/15</a:t>
             </a:fld>
             <a:endParaRPr lang="en-US"/>
           </a:p>
@@ -1758,7 +1758,7 @@
             <a:fld id="{D9D26CB9-01E4-44B8-8084-BCC418CF4A2D}" type="datetimeFigureOut">
               <a:rPr lang="en-US" smtClean="0"/>
               <a:pPr/>
-              <a:t>5/18/15</a:t>
+              <a:t>5/20/15</a:t>
             </a:fld>
             <a:endParaRPr lang="en-US"/>
           </a:p>
@@ -1873,7 +1873,7 @@
             <a:fld id="{D9D26CB9-01E4-44B8-8084-BCC418CF4A2D}" type="datetimeFigureOut">
               <a:rPr lang="en-US" smtClean="0"/>
               <a:pPr/>
-              <a:t>5/18/15</a:t>
+              <a:t>5/20/15</a:t>
             </a:fld>
             <a:endParaRPr lang="en-US"/>
           </a:p>
@@ -1965,7 +1965,7 @@
             <a:fld id="{D9D26CB9-01E4-44B8-8084-BCC418CF4A2D}" type="datetimeFigureOut">
               <a:rPr lang="en-US" smtClean="0"/>
               <a:pPr/>
-              <a:t>5/18/15</a:t>
+              <a:t>5/20/15</a:t>
             </a:fld>
             <a:endParaRPr lang="en-US"/>
           </a:p>
@@ -2239,7 +2239,7 @@
             <a:fld id="{D9D26CB9-01E4-44B8-8084-BCC418CF4A2D}" type="datetimeFigureOut">
               <a:rPr lang="en-US" smtClean="0"/>
               <a:pPr/>
-              <a:t>5/18/15</a:t>
+              <a:t>5/20/15</a:t>
             </a:fld>
             <a:endParaRPr lang="en-US"/>
           </a:p>
@@ -2489,7 +2489,7 @@
             <a:fld id="{D9D26CB9-01E4-44B8-8084-BCC418CF4A2D}" type="datetimeFigureOut">
               <a:rPr lang="en-US" smtClean="0"/>
               <a:pPr/>
-              <a:t>5/18/15</a:t>
+              <a:t>5/20/15</a:t>
             </a:fld>
             <a:endParaRPr lang="en-US"/>
           </a:p>
@@ -2699,7 +2699,7 @@
             <a:fld id="{D9D26CB9-01E4-44B8-8084-BCC418CF4A2D}" type="datetimeFigureOut">
               <a:rPr lang="en-US" smtClean="0"/>
               <a:pPr/>
-              <a:t>5/18/15</a:t>
+              <a:t>5/20/15</a:t>
             </a:fld>
             <a:endParaRPr lang="en-US"/>
           </a:p>
@@ -3116,8 +3116,8 @@
         </p:nvSpPr>
         <p:spPr>
           <a:xfrm>
-            <a:off x="16228069" y="9448800"/>
-            <a:ext cx="13454743" cy="1413391"/>
+            <a:off x="29260800" y="5257801"/>
+            <a:ext cx="13683343" cy="1413391"/>
           </a:xfrm>
           <a:prstGeom prst="rect">
             <a:avLst/>
@@ -3196,20 +3196,20 @@
           <p:nvPr/>
         </p:nvPicPr>
         <p:blipFill rotWithShape="1">
-          <a:blip r:embed="rId2" cstate="print">
+          <a:blip r:embed="rId2">
             <a:extLst>
               <a:ext uri="{28A0092B-C50C-407E-A947-70E740481C1C}">
-                <a14:useLocalDpi xmlns:a14="http://schemas.microsoft.com/office/drawing/2010/main"/>
+                <a14:useLocalDpi xmlns:a14="http://schemas.microsoft.com/office/drawing/2010/main" val="0"/>
               </a:ext>
             </a:extLst>
           </a:blip>
-          <a:srcRect l="2722" t="7731" r="6528" b="8318"/>
+          <a:srcRect l="4262" t="8660" r="7819" b="8715"/>
           <a:stretch/>
         </p:blipFill>
         <p:spPr>
           <a:xfrm>
-            <a:off x="15891788" y="11293174"/>
-            <a:ext cx="14106967" cy="8444136"/>
+            <a:off x="29489400" y="7010400"/>
+            <a:ext cx="13238313" cy="8165592"/>
           </a:xfrm>
           <a:prstGeom prst="rect">
             <a:avLst/>
@@ -3240,50 +3240,6 @@
           </a:prstGeom>
         </p:spPr>
       </p:pic>
-      <p:sp>
-        <p:nvSpPr>
-          <p:cNvPr id="2" name="TextBox 1"/>
-          <p:cNvSpPr txBox="1"/>
-          <p:nvPr/>
-        </p:nvSpPr>
-        <p:spPr>
-          <a:xfrm>
-            <a:off x="997527" y="5295538"/>
-            <a:ext cx="13487400" cy="1431161"/>
-          </a:xfrm>
-          <a:prstGeom prst="rect">
-            <a:avLst/>
-          </a:prstGeom>
-          <a:noFill/>
-          <a:ln>
-            <a:solidFill>
-              <a:schemeClr val="accent1"/>
-            </a:solidFill>
-          </a:ln>
-        </p:spPr>
-        <p:txBody>
-          <a:bodyPr wrap="square" rtlCol="0">
-            <a:spAutoFit/>
-          </a:bodyPr>
-          <a:lstStyle/>
-          <a:p>
-            <a:pPr algn="ctr"/>
-            <a:r>
-              <a:rPr lang="en-US" dirty="0" smtClean="0">
-                <a:solidFill>
-                  <a:srgbClr val="6A7F10"/>
-                </a:solidFill>
-              </a:rPr>
-              <a:t>Summary</a:t>
-            </a:r>
-            <a:endParaRPr lang="en-US" dirty="0">
-              <a:solidFill>
-                <a:srgbClr val="6A7F10"/>
-              </a:solidFill>
-            </a:endParaRPr>
-          </a:p>
-        </p:txBody>
-      </p:sp>
       <p:pic>
         <p:nvPicPr>
           <p:cNvPr id="6" name="Picture 5"/>
@@ -3306,7 +3262,7 @@
         </p:blipFill>
         <p:spPr>
           <a:xfrm>
-            <a:off x="30879858" y="5295538"/>
+            <a:off x="15773400" y="21412200"/>
             <a:ext cx="12535283" cy="6993555"/>
           </a:xfrm>
           <a:prstGeom prst="rect">
@@ -3314,67 +3270,296 @@
           </a:prstGeom>
         </p:spPr>
       </p:pic>
-      <p:sp>
-        <p:nvSpPr>
-          <p:cNvPr id="12" name="TextBox 11"/>
+      <p:grpSp>
+        <p:nvGrpSpPr>
+          <p:cNvPr id="18" name="Group 17"/>
+          <p:cNvGrpSpPr/>
+          <p:nvPr/>
+        </p:nvGrpSpPr>
+        <p:grpSpPr>
+          <a:xfrm>
+            <a:off x="990600" y="5257800"/>
+            <a:ext cx="13494327" cy="8441239"/>
+            <a:chOff x="990600" y="5257800"/>
+            <a:chExt cx="13494327" cy="8441239"/>
+          </a:xfrm>
+        </p:grpSpPr>
+        <p:sp>
+          <p:nvSpPr>
+            <p:cNvPr id="2" name="TextBox 1"/>
+            <p:cNvSpPr txBox="1"/>
+            <p:nvPr/>
+          </p:nvSpPr>
+          <p:spPr>
+            <a:xfrm>
+              <a:off x="990600" y="5257800"/>
+              <a:ext cx="13487400" cy="1431161"/>
+            </a:xfrm>
+            <a:prstGeom prst="rect">
+              <a:avLst/>
+            </a:prstGeom>
+            <a:noFill/>
+            <a:ln>
+              <a:solidFill>
+                <a:schemeClr val="accent1"/>
+              </a:solidFill>
+            </a:ln>
+          </p:spPr>
+          <p:txBody>
+            <a:bodyPr wrap="square" rtlCol="0">
+              <a:spAutoFit/>
+            </a:bodyPr>
+            <a:lstStyle/>
+            <a:p>
+              <a:pPr algn="ctr"/>
+              <a:r>
+                <a:rPr lang="en-US" dirty="0" smtClean="0">
+                  <a:solidFill>
+                    <a:srgbClr val="6A7F10"/>
+                  </a:solidFill>
+                </a:rPr>
+                <a:t>Summary</a:t>
+              </a:r>
+              <a:endParaRPr lang="en-US" dirty="0">
+                <a:solidFill>
+                  <a:srgbClr val="6A7F10"/>
+                </a:solidFill>
+              </a:endParaRPr>
+            </a:p>
+          </p:txBody>
+        </p:sp>
+        <p:sp>
+          <p:nvSpPr>
+            <p:cNvPr id="12" name="TextBox 11"/>
+            <p:cNvSpPr txBox="1"/>
+            <p:nvPr/>
+          </p:nvSpPr>
+          <p:spPr>
+            <a:xfrm>
+              <a:off x="997527" y="6835623"/>
+              <a:ext cx="13487400" cy="6863416"/>
+            </a:xfrm>
+            <a:prstGeom prst="rect">
+              <a:avLst/>
+            </a:prstGeom>
+            <a:noFill/>
+          </p:spPr>
+          <p:txBody>
+            <a:bodyPr wrap="square" rtlCol="0">
+              <a:spAutoFit/>
+            </a:bodyPr>
+            <a:lstStyle/>
+            <a:p>
+              <a:r>
+                <a:rPr lang="en-US" sz="4400" dirty="0" smtClean="0"/>
+                <a:t>The Marionette DAQ is a an open source industrial quality data acquisition device designed for the Portland State Aerospace Society. The underlying goal of the project is to provide a DAQ that is:</a:t>
+              </a:r>
+              <a:br>
+                <a:rPr lang="en-US" sz="4400" dirty="0" smtClean="0"/>
+              </a:br>
+              <a:endParaRPr lang="en-US" sz="4400" dirty="0" smtClean="0"/>
+            </a:p>
+            <a:p>
+              <a:pPr marL="857250" indent="-857250">
+                <a:buFont typeface="Arial" panose="020B0604020202020204" pitchFamily="34" charset="0"/>
+                <a:buChar char="•"/>
+              </a:pPr>
+              <a:r>
+                <a:rPr lang="en-US" sz="4400" b="1" dirty="0" smtClean="0"/>
+                <a:t>Completely Open Source </a:t>
+              </a:r>
+              <a:r>
+                <a:rPr lang="en-US" sz="4400" dirty="0" smtClean="0"/>
+                <a:t>(hardware, firmware, and Interface software).</a:t>
+              </a:r>
+            </a:p>
+            <a:p>
+              <a:pPr marL="857250" indent="-857250">
+                <a:buFont typeface="Arial" panose="020B0604020202020204" pitchFamily="34" charset="0"/>
+                <a:buChar char="•"/>
+              </a:pPr>
+              <a:r>
+                <a:rPr lang="en-US" sz="4400" dirty="0" smtClean="0"/>
+                <a:t>Provides </a:t>
+              </a:r>
+              <a:r>
+                <a:rPr lang="en-US" sz="4400" b="1" dirty="0" smtClean="0"/>
+                <a:t>more connectivity </a:t>
+              </a:r>
+              <a:r>
+                <a:rPr lang="en-US" sz="4400" dirty="0" smtClean="0"/>
+                <a:t>than any other device currently on the market.</a:t>
+              </a:r>
+            </a:p>
+            <a:p>
+              <a:pPr marL="857250" indent="-857250">
+                <a:buFont typeface="Arial" panose="020B0604020202020204" pitchFamily="34" charset="0"/>
+                <a:buChar char="•"/>
+              </a:pPr>
+              <a:r>
+                <a:rPr lang="en-US" sz="4400" dirty="0" smtClean="0"/>
+                <a:t>All for an </a:t>
+              </a:r>
+              <a:r>
+                <a:rPr lang="en-US" sz="4400" b="1" dirty="0" smtClean="0"/>
+                <a:t>affordable</a:t>
+              </a:r>
+              <a:r>
+                <a:rPr lang="en-US" sz="4400" dirty="0" smtClean="0"/>
+                <a:t> (to students) cost.</a:t>
+              </a:r>
+            </a:p>
+          </p:txBody>
+        </p:sp>
+      </p:grpSp>
+      <p:grpSp>
+        <p:nvGrpSpPr>
+          <p:cNvPr id="17" name="Group 16"/>
+          <p:cNvGrpSpPr/>
+          <p:nvPr/>
+        </p:nvGrpSpPr>
+        <p:grpSpPr>
+          <a:xfrm>
+            <a:off x="15163800" y="5257800"/>
+            <a:ext cx="13716000" cy="6508492"/>
+            <a:chOff x="15163800" y="5257800"/>
+            <a:chExt cx="13716000" cy="6508492"/>
+          </a:xfrm>
+        </p:grpSpPr>
+        <p:sp>
+          <p:nvSpPr>
+            <p:cNvPr id="20" name="TextBox 19"/>
+            <p:cNvSpPr txBox="1"/>
+            <p:nvPr/>
+          </p:nvSpPr>
+          <p:spPr>
+            <a:xfrm>
+              <a:off x="15163800" y="5257800"/>
+              <a:ext cx="13563600" cy="1431161"/>
+            </a:xfrm>
+            <a:prstGeom prst="rect">
+              <a:avLst/>
+            </a:prstGeom>
+            <a:noFill/>
+            <a:ln>
+              <a:solidFill>
+                <a:schemeClr val="accent1"/>
+              </a:solidFill>
+            </a:ln>
+          </p:spPr>
+          <p:txBody>
+            <a:bodyPr wrap="square" rtlCol="0">
+              <a:spAutoFit/>
+            </a:bodyPr>
+            <a:lstStyle/>
+            <a:p>
+              <a:pPr algn="ctr"/>
+              <a:r>
+                <a:rPr lang="en-US" dirty="0" smtClean="0">
+                  <a:solidFill>
+                    <a:srgbClr val="6A7F10"/>
+                  </a:solidFill>
+                </a:rPr>
+                <a:t>Solution</a:t>
+              </a:r>
+              <a:endParaRPr lang="en-US" dirty="0">
+                <a:solidFill>
+                  <a:srgbClr val="6A7F10"/>
+                </a:solidFill>
+              </a:endParaRPr>
+            </a:p>
+          </p:txBody>
+        </p:sp>
+        <p:sp>
+          <p:nvSpPr>
+            <p:cNvPr id="21" name="TextBox 20"/>
+            <p:cNvSpPr txBox="1"/>
+            <p:nvPr/>
+          </p:nvSpPr>
+          <p:spPr>
+            <a:xfrm>
+              <a:off x="15163800" y="6934200"/>
+              <a:ext cx="13716000" cy="4832092"/>
+            </a:xfrm>
+            <a:prstGeom prst="rect">
+              <a:avLst/>
+            </a:prstGeom>
+            <a:noFill/>
+          </p:spPr>
+          <p:txBody>
+            <a:bodyPr wrap="square" rtlCol="0">
+              <a:spAutoFit/>
+            </a:bodyPr>
+            <a:lstStyle/>
+            <a:p>
+              <a:pPr marL="857250" indent="-857250">
+                <a:buFont typeface="Arial" panose="020B0604020202020204" pitchFamily="34" charset="0"/>
+                <a:buChar char="•"/>
+              </a:pPr>
+              <a:r>
+                <a:rPr lang="en-US" sz="4400" dirty="0" smtClean="0"/>
+                <a:t>Off the shelf 32bit microcontroller with USB 2.1 High Speed.</a:t>
+              </a:r>
+            </a:p>
+            <a:p>
+              <a:pPr marL="857250" indent="-857250">
+                <a:buFont typeface="Arial" panose="020B0604020202020204" pitchFamily="34" charset="0"/>
+                <a:buChar char="•"/>
+              </a:pPr>
+              <a:r>
+                <a:rPr lang="en-US" sz="4400" dirty="0" smtClean="0"/>
+                <a:t>Easy to assemble, components can be placed by hand.</a:t>
+              </a:r>
+            </a:p>
+            <a:p>
+              <a:pPr marL="857250" indent="-857250">
+                <a:buFont typeface="Arial" panose="020B0604020202020204" pitchFamily="34" charset="0"/>
+                <a:buChar char="•"/>
+              </a:pPr>
+              <a:r>
+                <a:rPr lang="en-US" sz="4400" dirty="0" smtClean="0"/>
+                <a:t>A real time operating system (</a:t>
+              </a:r>
+              <a:r>
+                <a:rPr lang="en-US" sz="4400" dirty="0" err="1" smtClean="0"/>
+                <a:t>ChibiOS</a:t>
+              </a:r>
+              <a:r>
+                <a:rPr lang="en-US" sz="4400" dirty="0" smtClean="0"/>
+                <a:t>) with customized drivers and libraries</a:t>
+              </a:r>
+            </a:p>
+            <a:p>
+              <a:pPr marL="857250" indent="-857250">
+                <a:buFont typeface="Arial" panose="020B0604020202020204" pitchFamily="34" charset="0"/>
+                <a:buChar char="•"/>
+              </a:pPr>
+              <a:r>
+                <a:rPr lang="en-US" sz="4400" dirty="0" smtClean="0"/>
+                <a:t>Uses the Python scripting language for a fully customizable, </a:t>
+              </a:r>
+              <a:r>
+                <a:rPr lang="en-US" sz="4400" dirty="0"/>
+                <a:t>cross-platform </a:t>
+              </a:r>
+              <a:r>
+                <a:rPr lang="en-US" sz="4400" dirty="0" smtClean="0"/>
+                <a:t>user interface. </a:t>
+              </a:r>
+              <a:endParaRPr lang="en-US" sz="4400" dirty="0"/>
+            </a:p>
+          </p:txBody>
+        </p:sp>
+      </p:grpSp>
+      <p:sp>
+        <p:nvSpPr>
+          <p:cNvPr id="25" name="TextBox 24"/>
           <p:cNvSpPr txBox="1"/>
           <p:nvPr/>
         </p:nvSpPr>
         <p:spPr>
           <a:xfrm>
-            <a:off x="997527" y="6835623"/>
-            <a:ext cx="13487400" cy="11172289"/>
-          </a:xfrm>
-          <a:prstGeom prst="rect">
-            <a:avLst/>
-          </a:prstGeom>
-          <a:noFill/>
-        </p:spPr>
-        <p:txBody>
-          <a:bodyPr wrap="square" rtlCol="0">
-            <a:spAutoFit/>
-          </a:bodyPr>
-          <a:lstStyle/>
-          <a:p>
-            <a:r>
-              <a:rPr lang="en-US" sz="6000" dirty="0" smtClean="0"/>
-              <a:t>The marionette DAQ is a an open source data acquisition device designed for the Portland State Aeronautical Society for use in their rocket launches. The underlying goal of the project is to provide a DAQ that is : </a:t>
-            </a:r>
-          </a:p>
-          <a:p>
-            <a:pPr marL="857250" indent="-857250">
-              <a:buFont typeface="Arial" panose="020B0604020202020204" pitchFamily="34" charset="0"/>
-              <a:buChar char="•"/>
-            </a:pPr>
-            <a:r>
-              <a:rPr lang="en-US" sz="6000" dirty="0" smtClean="0"/>
-              <a:t>Completely Open Source (Hardware, Firmware, and Software).</a:t>
-            </a:r>
-          </a:p>
-          <a:p>
-            <a:pPr marL="857250" indent="-857250">
-              <a:buFont typeface="Arial" panose="020B0604020202020204" pitchFamily="34" charset="0"/>
-              <a:buChar char="•"/>
-            </a:pPr>
-            <a:r>
-              <a:rPr lang="en-US" sz="6000" dirty="0" smtClean="0"/>
-              <a:t>Provides more connectivity than any other device currently on the market at a reasonable and affordable cost.</a:t>
-            </a:r>
-          </a:p>
-          <a:p>
-            <a:endParaRPr lang="en-US" sz="6000" dirty="0"/>
-          </a:p>
-        </p:txBody>
-      </p:sp>
-      <p:sp>
-        <p:nvSpPr>
-          <p:cNvPr id="20" name="TextBox 19"/>
-          <p:cNvSpPr txBox="1"/>
-          <p:nvPr/>
-        </p:nvSpPr>
-        <p:spPr>
-          <a:xfrm>
-            <a:off x="993516" y="18651556"/>
+            <a:off x="990600" y="14935200"/>
             <a:ext cx="13487400" cy="1431161"/>
           </a:xfrm>
           <a:prstGeom prst="rect">
@@ -3400,349 +3585,13 @@
                   <a:srgbClr val="6A7F10"/>
                 </a:solidFill>
               </a:rPr>
-              <a:t>Solution</a:t>
+              <a:t>Requirements</a:t>
             </a:r>
             <a:endParaRPr lang="en-US" dirty="0">
               <a:solidFill>
                 <a:srgbClr val="6A7F10"/>
               </a:solidFill>
             </a:endParaRPr>
-          </a:p>
-        </p:txBody>
-      </p:sp>
-      <p:sp>
-        <p:nvSpPr>
-          <p:cNvPr id="21" name="TextBox 20"/>
-          <p:cNvSpPr txBox="1"/>
-          <p:nvPr/>
-        </p:nvSpPr>
-        <p:spPr>
-          <a:xfrm>
-            <a:off x="997527" y="20082717"/>
-            <a:ext cx="13487400" cy="8402300"/>
-          </a:xfrm>
-          <a:prstGeom prst="rect">
-            <a:avLst/>
-          </a:prstGeom>
-          <a:noFill/>
-        </p:spPr>
-        <p:txBody>
-          <a:bodyPr wrap="square" rtlCol="0">
-            <a:spAutoFit/>
-          </a:bodyPr>
-          <a:lstStyle/>
-          <a:p>
-            <a:pPr marL="857250" indent="-857250">
-              <a:buFont typeface="Arial" panose="020B0604020202020204" pitchFamily="34" charset="0"/>
-              <a:buChar char="•"/>
-            </a:pPr>
-            <a:r>
-              <a:rPr lang="en-US" sz="6000" dirty="0" smtClean="0"/>
-              <a:t>Off the shelf 32bit microcontroller with high speed USB</a:t>
-            </a:r>
-          </a:p>
-          <a:p>
-            <a:pPr marL="857250" indent="-857250">
-              <a:buFont typeface="Arial" panose="020B0604020202020204" pitchFamily="34" charset="0"/>
-              <a:buChar char="•"/>
-            </a:pPr>
-            <a:r>
-              <a:rPr lang="en-US" sz="6000" dirty="0" smtClean="0"/>
-              <a:t>Easy to assemble, components can be placed by hand.</a:t>
-            </a:r>
-          </a:p>
-          <a:p>
-            <a:pPr marL="857250" indent="-857250">
-              <a:buFont typeface="Arial" panose="020B0604020202020204" pitchFamily="34" charset="0"/>
-              <a:buChar char="•"/>
-            </a:pPr>
-            <a:r>
-              <a:rPr lang="en-US" sz="6000" dirty="0" smtClean="0"/>
-              <a:t>A real time operating system (</a:t>
-            </a:r>
-            <a:r>
-              <a:rPr lang="en-US" sz="6000" dirty="0" err="1" smtClean="0"/>
-              <a:t>ChibiOS</a:t>
-            </a:r>
-            <a:r>
-              <a:rPr lang="en-US" sz="6000" dirty="0" smtClean="0"/>
-              <a:t>) with customized drivers and libraries</a:t>
-            </a:r>
-          </a:p>
-          <a:p>
-            <a:pPr marL="857250" indent="-857250">
-              <a:buFont typeface="Arial" panose="020B0604020202020204" pitchFamily="34" charset="0"/>
-              <a:buChar char="•"/>
-            </a:pPr>
-            <a:r>
-              <a:rPr lang="en-US" sz="6000" dirty="0" smtClean="0"/>
-              <a:t>Uses the Python scripting language for a fully customizable, </a:t>
-            </a:r>
-            <a:r>
-              <a:rPr lang="en-US" sz="6000" dirty="0"/>
-              <a:t>cross-platform </a:t>
-            </a:r>
-            <a:r>
-              <a:rPr lang="en-US" sz="6000" dirty="0" smtClean="0"/>
-              <a:t>user interface. </a:t>
-            </a:r>
-            <a:endParaRPr lang="en-US" sz="6000" dirty="0"/>
-          </a:p>
-        </p:txBody>
-      </p:sp>
-      <p:sp>
-        <p:nvSpPr>
-          <p:cNvPr id="22" name="TextBox 21"/>
-          <p:cNvSpPr txBox="1"/>
-          <p:nvPr/>
-        </p:nvSpPr>
-        <p:spPr>
-          <a:xfrm>
-            <a:off x="16195412" y="20460269"/>
-            <a:ext cx="13487400" cy="1431161"/>
-          </a:xfrm>
-          <a:prstGeom prst="rect">
-            <a:avLst/>
-          </a:prstGeom>
-          <a:noFill/>
-          <a:ln>
-            <a:solidFill>
-              <a:schemeClr val="accent1"/>
-            </a:solidFill>
-          </a:ln>
-        </p:spPr>
-        <p:txBody>
-          <a:bodyPr wrap="square" rtlCol="0">
-            <a:spAutoFit/>
-          </a:bodyPr>
-          <a:lstStyle/>
-          <a:p>
-            <a:pPr algn="ctr"/>
-            <a:r>
-              <a:rPr lang="en-US" dirty="0" smtClean="0">
-                <a:solidFill>
-                  <a:srgbClr val="6A7F10"/>
-                </a:solidFill>
-              </a:rPr>
-              <a:t>Contributing Members</a:t>
-            </a:r>
-            <a:endParaRPr lang="en-US" dirty="0">
-              <a:solidFill>
-                <a:srgbClr val="6A7F10"/>
-              </a:solidFill>
-            </a:endParaRPr>
-          </a:p>
-        </p:txBody>
-      </p:sp>
-      <p:sp>
-        <p:nvSpPr>
-          <p:cNvPr id="24" name="TextBox 23"/>
-          <p:cNvSpPr txBox="1"/>
-          <p:nvPr/>
-        </p:nvSpPr>
-        <p:spPr>
-          <a:xfrm>
-            <a:off x="16195412" y="21891430"/>
-            <a:ext cx="13487400" cy="2862322"/>
-          </a:xfrm>
-          <a:prstGeom prst="rect">
-            <a:avLst/>
-          </a:prstGeom>
-          <a:noFill/>
-        </p:spPr>
-        <p:txBody>
-          <a:bodyPr wrap="square" rtlCol="0">
-            <a:spAutoFit/>
-          </a:bodyPr>
-          <a:lstStyle/>
-          <a:p>
-            <a:r>
-              <a:rPr lang="en-US" sz="6000" dirty="0" smtClean="0"/>
-              <a:t>Capstone Team:</a:t>
-            </a:r>
-          </a:p>
-          <a:p>
-            <a:pPr marL="857250" indent="-857250">
-              <a:buFont typeface="Arial" panose="020B0604020202020204" pitchFamily="34" charset="0"/>
-              <a:buChar char="•"/>
-            </a:pPr>
-            <a:r>
-              <a:rPr lang="en-US" sz="6000" dirty="0" smtClean="0"/>
-              <a:t>Jeff </a:t>
-            </a:r>
-            <a:r>
-              <a:rPr lang="en-US" sz="6000" dirty="0" err="1" smtClean="0"/>
-              <a:t>Alcoke</a:t>
-            </a:r>
-            <a:r>
-              <a:rPr lang="en-US" sz="6000" dirty="0" smtClean="0"/>
-              <a:t>, ECE –Project HW Designer </a:t>
-            </a:r>
-          </a:p>
-          <a:p>
-            <a:pPr marL="857250" indent="-857250">
-              <a:buFont typeface="Arial" panose="020B0604020202020204" pitchFamily="34" charset="0"/>
-              <a:buChar char="•"/>
-            </a:pPr>
-            <a:r>
-              <a:rPr lang="en-US" sz="6000" dirty="0" smtClean="0"/>
-              <a:t>Seth Ward, ECE – Project FW Designer</a:t>
-            </a:r>
-          </a:p>
-        </p:txBody>
-      </p:sp>
-      <p:sp>
-        <p:nvSpPr>
-          <p:cNvPr id="25" name="TextBox 24"/>
-          <p:cNvSpPr txBox="1"/>
-          <p:nvPr/>
-        </p:nvSpPr>
-        <p:spPr>
-          <a:xfrm>
-            <a:off x="30879858" y="14229278"/>
-            <a:ext cx="12506641" cy="1431161"/>
-          </a:xfrm>
-          <a:prstGeom prst="rect">
-            <a:avLst/>
-          </a:prstGeom>
-          <a:noFill/>
-          <a:ln>
-            <a:solidFill>
-              <a:schemeClr val="accent1"/>
-            </a:solidFill>
-          </a:ln>
-        </p:spPr>
-        <p:txBody>
-          <a:bodyPr wrap="square" rtlCol="0">
-            <a:spAutoFit/>
-          </a:bodyPr>
-          <a:lstStyle/>
-          <a:p>
-            <a:pPr algn="ctr"/>
-            <a:r>
-              <a:rPr lang="en-US" dirty="0" smtClean="0">
-                <a:solidFill>
-                  <a:srgbClr val="6A7F10"/>
-                </a:solidFill>
-              </a:rPr>
-              <a:t>More Stuff</a:t>
-            </a:r>
-            <a:endParaRPr lang="en-US" dirty="0">
-              <a:solidFill>
-                <a:srgbClr val="6A7F10"/>
-              </a:solidFill>
-            </a:endParaRPr>
-          </a:p>
-        </p:txBody>
-      </p:sp>
-      <p:sp>
-        <p:nvSpPr>
-          <p:cNvPr id="26" name="TextBox 25"/>
-          <p:cNvSpPr txBox="1"/>
-          <p:nvPr/>
-        </p:nvSpPr>
-        <p:spPr>
-          <a:xfrm>
-            <a:off x="16230600" y="25069800"/>
-            <a:ext cx="14684446" cy="3785652"/>
-          </a:xfrm>
-          <a:prstGeom prst="rect">
-            <a:avLst/>
-          </a:prstGeom>
-          <a:noFill/>
-        </p:spPr>
-        <p:txBody>
-          <a:bodyPr wrap="square" numCol="2" rtlCol="0">
-            <a:spAutoFit/>
-          </a:bodyPr>
-          <a:lstStyle/>
-          <a:p>
-            <a:endParaRPr lang="en-US" sz="6000" dirty="0" smtClean="0"/>
-          </a:p>
-          <a:p>
-            <a:pPr marL="857250" indent="-857250">
-              <a:buFont typeface="Arial" panose="020B0604020202020204" pitchFamily="34" charset="0"/>
-              <a:buChar char="•"/>
-            </a:pPr>
-            <a:r>
-              <a:rPr lang="en-US" sz="6000" dirty="0" smtClean="0"/>
-              <a:t>Andrew Greenberg</a:t>
-            </a:r>
-          </a:p>
-          <a:p>
-            <a:pPr marL="857250" indent="-857250">
-              <a:buFont typeface="Arial" panose="020B0604020202020204" pitchFamily="34" charset="0"/>
-              <a:buChar char="•"/>
-            </a:pPr>
-            <a:r>
-              <a:rPr lang="en-US" sz="6000" dirty="0" smtClean="0"/>
-              <a:t>K. Wilson</a:t>
-            </a:r>
-          </a:p>
-          <a:p>
-            <a:endParaRPr lang="en-US" sz="6000" dirty="0" smtClean="0"/>
-          </a:p>
-          <a:p>
-            <a:pPr marL="857250" indent="-857250">
-              <a:buFont typeface="Arial" panose="020B0604020202020204" pitchFamily="34" charset="0"/>
-              <a:buChar char="•"/>
-            </a:pPr>
-            <a:endParaRPr lang="en-US" sz="6000" dirty="0" smtClean="0"/>
-          </a:p>
-          <a:p>
-            <a:pPr marL="857250" indent="-857250">
-              <a:buFont typeface="Arial" panose="020B0604020202020204" pitchFamily="34" charset="0"/>
-              <a:buChar char="•"/>
-            </a:pPr>
-            <a:r>
-              <a:rPr lang="en-US" sz="6000" dirty="0" smtClean="0"/>
-              <a:t>Gavin </a:t>
-            </a:r>
-            <a:r>
-              <a:rPr lang="en-US" sz="6000" dirty="0" err="1" smtClean="0"/>
-              <a:t>Gallino</a:t>
-            </a:r>
-            <a:endParaRPr lang="en-US" sz="6000" dirty="0" smtClean="0"/>
-          </a:p>
-          <a:p>
-            <a:pPr marL="857250" indent="-857250">
-              <a:buFont typeface="Arial" panose="020B0604020202020204" pitchFamily="34" charset="0"/>
-              <a:buChar char="•"/>
-            </a:pPr>
-            <a:r>
-              <a:rPr lang="en-US" sz="6000" dirty="0" smtClean="0"/>
-              <a:t>Dave Camarillo</a:t>
-            </a:r>
-            <a:endParaRPr lang="en-US" sz="6000" dirty="0"/>
-          </a:p>
-        </p:txBody>
-      </p:sp>
-      <p:sp>
-        <p:nvSpPr>
-          <p:cNvPr id="27" name="TextBox 26"/>
-          <p:cNvSpPr txBox="1"/>
-          <p:nvPr/>
-        </p:nvSpPr>
-        <p:spPr>
-          <a:xfrm>
-            <a:off x="16230600" y="25069800"/>
-            <a:ext cx="13487400" cy="1015663"/>
-          </a:xfrm>
-          <a:prstGeom prst="rect">
-            <a:avLst/>
-          </a:prstGeom>
-          <a:noFill/>
-        </p:spPr>
-        <p:txBody>
-          <a:bodyPr wrap="square" rtlCol="0">
-            <a:spAutoFit/>
-          </a:bodyPr>
-          <a:lstStyle/>
-          <a:p>
-            <a:r>
-              <a:rPr lang="en-US" sz="6000" dirty="0" smtClean="0"/>
-              <a:t>Special thanks to:</a:t>
-            </a:r>
           </a:p>
         </p:txBody>
       </p:sp>
@@ -3806,6 +3655,275 @@
           </a:p>
         </p:txBody>
       </p:sp>
+      <p:pic>
+        <p:nvPicPr>
+          <p:cNvPr id="13" name="Picture 12" descr="marionette_block.eps"/>
+          <p:cNvPicPr>
+            <a:picLocks noChangeAspect="1"/>
+          </p:cNvPicPr>
+          <p:nvPr/>
+        </p:nvPicPr>
+        <p:blipFill>
+          <a:blip r:embed="rId6">
+            <a:extLst>
+              <a:ext uri="{28A0092B-C50C-407E-A947-70E740481C1C}">
+                <a14:useLocalDpi xmlns:a14="http://schemas.microsoft.com/office/drawing/2010/main" val="0"/>
+              </a:ext>
+            </a:extLst>
+          </a:blip>
+          <a:stretch>
+            <a:fillRect/>
+          </a:stretch>
+        </p:blipFill>
+        <p:spPr>
+          <a:xfrm>
+            <a:off x="15773400" y="12268200"/>
+            <a:ext cx="11963400" cy="8510727"/>
+          </a:xfrm>
+          <a:prstGeom prst="rect">
+            <a:avLst/>
+          </a:prstGeom>
+        </p:spPr>
+      </p:pic>
+      <p:grpSp>
+        <p:nvGrpSpPr>
+          <p:cNvPr id="16" name="Group 15"/>
+          <p:cNvGrpSpPr/>
+          <p:nvPr/>
+        </p:nvGrpSpPr>
+        <p:grpSpPr>
+          <a:xfrm>
+            <a:off x="29032200" y="22250400"/>
+            <a:ext cx="13563600" cy="6153329"/>
+            <a:chOff x="29108400" y="23164800"/>
+            <a:chExt cx="13563600" cy="6153329"/>
+          </a:xfrm>
+        </p:grpSpPr>
+        <p:sp>
+          <p:nvSpPr>
+            <p:cNvPr id="22" name="TextBox 21"/>
+            <p:cNvSpPr txBox="1"/>
+            <p:nvPr/>
+          </p:nvSpPr>
+          <p:spPr>
+            <a:xfrm>
+              <a:off x="29184600" y="23164800"/>
+              <a:ext cx="13487400" cy="1431161"/>
+            </a:xfrm>
+            <a:prstGeom prst="rect">
+              <a:avLst/>
+            </a:prstGeom>
+            <a:noFill/>
+            <a:ln>
+              <a:solidFill>
+                <a:schemeClr val="accent1"/>
+              </a:solidFill>
+            </a:ln>
+          </p:spPr>
+          <p:txBody>
+            <a:bodyPr wrap="square" rtlCol="0">
+              <a:spAutoFit/>
+            </a:bodyPr>
+            <a:lstStyle/>
+            <a:p>
+              <a:pPr algn="ctr"/>
+              <a:r>
+                <a:rPr lang="en-US" dirty="0" smtClean="0">
+                  <a:solidFill>
+                    <a:srgbClr val="6A7F10"/>
+                  </a:solidFill>
+                </a:rPr>
+                <a:t>Contributing Members</a:t>
+              </a:r>
+              <a:endParaRPr lang="en-US" dirty="0">
+                <a:solidFill>
+                  <a:srgbClr val="6A7F10"/>
+                </a:solidFill>
+              </a:endParaRPr>
+            </a:p>
+          </p:txBody>
+        </p:sp>
+        <p:sp>
+          <p:nvSpPr>
+            <p:cNvPr id="24" name="TextBox 23"/>
+            <p:cNvSpPr txBox="1"/>
+            <p:nvPr/>
+          </p:nvSpPr>
+          <p:spPr>
+            <a:xfrm>
+              <a:off x="29108400" y="24612600"/>
+              <a:ext cx="13487400" cy="2492990"/>
+            </a:xfrm>
+            <a:prstGeom prst="rect">
+              <a:avLst/>
+            </a:prstGeom>
+            <a:noFill/>
+          </p:spPr>
+          <p:txBody>
+            <a:bodyPr wrap="square" rtlCol="0">
+              <a:spAutoFit/>
+            </a:bodyPr>
+            <a:lstStyle/>
+            <a:p>
+              <a:r>
+                <a:rPr lang="en-US" sz="6000" dirty="0" smtClean="0"/>
+                <a:t>Capstone Team:</a:t>
+              </a:r>
+            </a:p>
+            <a:p>
+              <a:pPr marL="857250" indent="-857250">
+                <a:buFont typeface="Arial" panose="020B0604020202020204" pitchFamily="34" charset="0"/>
+                <a:buChar char="•"/>
+              </a:pPr>
+              <a:r>
+                <a:rPr lang="en-US" sz="4800" dirty="0" smtClean="0"/>
+                <a:t>Jeff Alcoke, ECE </a:t>
+              </a:r>
+              <a:r>
+                <a:rPr lang="en-US" sz="4800" dirty="0" smtClean="0"/>
+                <a:t>– Project </a:t>
+              </a:r>
+              <a:r>
+                <a:rPr lang="en-US" sz="4800" dirty="0" smtClean="0"/>
+                <a:t>HW Designer </a:t>
+              </a:r>
+            </a:p>
+            <a:p>
+              <a:pPr marL="857250" indent="-857250">
+                <a:buFont typeface="Arial" panose="020B0604020202020204" pitchFamily="34" charset="0"/>
+                <a:buChar char="•"/>
+              </a:pPr>
+              <a:r>
+                <a:rPr lang="en-US" sz="4800" dirty="0" smtClean="0"/>
+                <a:t>Seth Ward, ECE – Project FW </a:t>
+              </a:r>
+              <a:r>
+                <a:rPr lang="en-US" sz="4800" dirty="0" smtClean="0"/>
+                <a:t> Designer</a:t>
+              </a:r>
+              <a:endParaRPr lang="en-US" sz="4800" dirty="0" smtClean="0"/>
+            </a:p>
+          </p:txBody>
+        </p:sp>
+        <p:grpSp>
+          <p:nvGrpSpPr>
+            <p:cNvPr id="15" name="Group 14"/>
+            <p:cNvGrpSpPr/>
+            <p:nvPr/>
+          </p:nvGrpSpPr>
+          <p:grpSpPr>
+            <a:xfrm>
+              <a:off x="29184600" y="27432000"/>
+              <a:ext cx="13335000" cy="1886129"/>
+              <a:chOff x="31546800" y="27432000"/>
+              <a:chExt cx="13335000" cy="1886129"/>
+            </a:xfrm>
+          </p:grpSpPr>
+          <p:sp>
+            <p:nvSpPr>
+              <p:cNvPr id="27" name="TextBox 26"/>
+              <p:cNvSpPr txBox="1"/>
+              <p:nvPr/>
+            </p:nvSpPr>
+            <p:spPr>
+              <a:xfrm>
+                <a:off x="31546800" y="27432000"/>
+                <a:ext cx="10972800" cy="830997"/>
+              </a:xfrm>
+              <a:prstGeom prst="rect">
+                <a:avLst/>
+              </a:prstGeom>
+              <a:noFill/>
+            </p:spPr>
+            <p:txBody>
+              <a:bodyPr wrap="square" rtlCol="0">
+                <a:spAutoFit/>
+              </a:bodyPr>
+              <a:lstStyle/>
+              <a:p>
+                <a:r>
+                  <a:rPr lang="en-US" sz="4800" dirty="0" smtClean="0"/>
+                  <a:t>Special thanks to:</a:t>
+                </a:r>
+              </a:p>
+            </p:txBody>
+          </p:sp>
+          <p:sp>
+            <p:nvSpPr>
+              <p:cNvPr id="14" name="TextBox 13"/>
+              <p:cNvSpPr txBox="1"/>
+              <p:nvPr/>
+            </p:nvSpPr>
+            <p:spPr>
+              <a:xfrm>
+                <a:off x="31546800" y="28117800"/>
+                <a:ext cx="13335000" cy="1200329"/>
+              </a:xfrm>
+              <a:prstGeom prst="rect">
+                <a:avLst/>
+              </a:prstGeom>
+              <a:noFill/>
+            </p:spPr>
+            <p:txBody>
+              <a:bodyPr wrap="square" numCol="2" rtlCol="0">
+                <a:spAutoFit/>
+              </a:bodyPr>
+              <a:lstStyle/>
+              <a:p>
+                <a:pPr marL="1143000" indent="-1143000">
+                  <a:buFont typeface="Arial"/>
+                  <a:buChar char="•"/>
+                </a:pPr>
+                <a:r>
+                  <a:rPr lang="en-US" sz="3600" dirty="0" smtClean="0"/>
+                  <a:t>Andrew Greenberg</a:t>
+                </a:r>
+              </a:p>
+              <a:p>
+                <a:pPr marL="1143000" indent="-1143000">
+                  <a:buFont typeface="Arial"/>
+                  <a:buChar char="•"/>
+                </a:pPr>
+                <a:r>
+                  <a:rPr lang="en-US" sz="3600" dirty="0" smtClean="0"/>
+                  <a:t>K. </a:t>
+                </a:r>
+                <a:r>
+                  <a:rPr lang="en-US" sz="3600" dirty="0" err="1" smtClean="0"/>
+                  <a:t>Willson</a:t>
+                </a:r>
+                <a:endParaRPr lang="en-US" sz="3600" dirty="0" smtClean="0"/>
+              </a:p>
+              <a:p>
+                <a:pPr marL="1143000" indent="-1143000">
+                  <a:buFont typeface="Arial"/>
+                  <a:buChar char="•"/>
+                </a:pPr>
+                <a:r>
+                  <a:rPr lang="en-US" sz="3600" dirty="0" smtClean="0"/>
+                  <a:t>Gavin </a:t>
+                </a:r>
+                <a:r>
+                  <a:rPr lang="en-US" sz="3600" dirty="0" err="1" smtClean="0"/>
+                  <a:t>Gallino</a:t>
+                </a:r>
+                <a:endParaRPr lang="en-US" sz="3600" dirty="0" smtClean="0"/>
+              </a:p>
+              <a:p>
+                <a:pPr marL="1143000" indent="-1143000">
+                  <a:buFont typeface="Arial"/>
+                  <a:buChar char="•"/>
+                </a:pPr>
+                <a:r>
+                  <a:rPr lang="en-US" sz="3600" dirty="0" smtClean="0"/>
+                  <a:t>Dave Camarillo</a:t>
+                </a:r>
+                <a:endParaRPr lang="en-US" sz="3600" dirty="0"/>
+              </a:p>
+            </p:txBody>
+          </p:sp>
+        </p:grpSp>
+      </p:grpSp>
     </p:spTree>
   </p:cSld>
   <p:clrMapOvr>

--- a/Poster.pptx
+++ b/Poster.pptx
@@ -300,7 +300,7 @@
             <a:fld id="{D9D26CB9-01E4-44B8-8084-BCC418CF4A2D}" type="datetimeFigureOut">
               <a:rPr lang="en-US" smtClean="0"/>
               <a:pPr/>
-              <a:t>5/20/15</a:t>
+              <a:t>5/25/15</a:t>
             </a:fld>
             <a:endParaRPr lang="en-US"/>
           </a:p>
@@ -467,7 +467,7 @@
             <a:fld id="{D9D26CB9-01E4-44B8-8084-BCC418CF4A2D}" type="datetimeFigureOut">
               <a:rPr lang="en-US" smtClean="0"/>
               <a:pPr/>
-              <a:t>5/20/15</a:t>
+              <a:t>5/25/15</a:t>
             </a:fld>
             <a:endParaRPr lang="en-US"/>
           </a:p>
@@ -644,7 +644,7 @@
             <a:fld id="{D9D26CB9-01E4-44B8-8084-BCC418CF4A2D}" type="datetimeFigureOut">
               <a:rPr lang="en-US" smtClean="0"/>
               <a:pPr/>
-              <a:t>5/20/15</a:t>
+              <a:t>5/25/15</a:t>
             </a:fld>
             <a:endParaRPr lang="en-US"/>
           </a:p>
@@ -811,7 +811,7 @@
             <a:fld id="{D9D26CB9-01E4-44B8-8084-BCC418CF4A2D}" type="datetimeFigureOut">
               <a:rPr lang="en-US" smtClean="0"/>
               <a:pPr/>
-              <a:t>5/20/15</a:t>
+              <a:t>5/25/15</a:t>
             </a:fld>
             <a:endParaRPr lang="en-US"/>
           </a:p>
@@ -1054,7 +1054,7 @@
             <a:fld id="{D9D26CB9-01E4-44B8-8084-BCC418CF4A2D}" type="datetimeFigureOut">
               <a:rPr lang="en-US" smtClean="0"/>
               <a:pPr/>
-              <a:t>5/20/15</a:t>
+              <a:t>5/25/15</a:t>
             </a:fld>
             <a:endParaRPr lang="en-US"/>
           </a:p>
@@ -1339,7 +1339,7 @@
             <a:fld id="{D9D26CB9-01E4-44B8-8084-BCC418CF4A2D}" type="datetimeFigureOut">
               <a:rPr lang="en-US" smtClean="0"/>
               <a:pPr/>
-              <a:t>5/20/15</a:t>
+              <a:t>5/25/15</a:t>
             </a:fld>
             <a:endParaRPr lang="en-US"/>
           </a:p>
@@ -1758,7 +1758,7 @@
             <a:fld id="{D9D26CB9-01E4-44B8-8084-BCC418CF4A2D}" type="datetimeFigureOut">
               <a:rPr lang="en-US" smtClean="0"/>
               <a:pPr/>
-              <a:t>5/20/15</a:t>
+              <a:t>5/25/15</a:t>
             </a:fld>
             <a:endParaRPr lang="en-US"/>
           </a:p>
@@ -1873,7 +1873,7 @@
             <a:fld id="{D9D26CB9-01E4-44B8-8084-BCC418CF4A2D}" type="datetimeFigureOut">
               <a:rPr lang="en-US" smtClean="0"/>
               <a:pPr/>
-              <a:t>5/20/15</a:t>
+              <a:t>5/25/15</a:t>
             </a:fld>
             <a:endParaRPr lang="en-US"/>
           </a:p>
@@ -1965,7 +1965,7 @@
             <a:fld id="{D9D26CB9-01E4-44B8-8084-BCC418CF4A2D}" type="datetimeFigureOut">
               <a:rPr lang="en-US" smtClean="0"/>
               <a:pPr/>
-              <a:t>5/20/15</a:t>
+              <a:t>5/25/15</a:t>
             </a:fld>
             <a:endParaRPr lang="en-US"/>
           </a:p>
@@ -2239,7 +2239,7 @@
             <a:fld id="{D9D26CB9-01E4-44B8-8084-BCC418CF4A2D}" type="datetimeFigureOut">
               <a:rPr lang="en-US" smtClean="0"/>
               <a:pPr/>
-              <a:t>5/20/15</a:t>
+              <a:t>5/25/15</a:t>
             </a:fld>
             <a:endParaRPr lang="en-US"/>
           </a:p>
@@ -2489,7 +2489,7 @@
             <a:fld id="{D9D26CB9-01E4-44B8-8084-BCC418CF4A2D}" type="datetimeFigureOut">
               <a:rPr lang="en-US" smtClean="0"/>
               <a:pPr/>
-              <a:t>5/20/15</a:t>
+              <a:t>5/25/15</a:t>
             </a:fld>
             <a:endParaRPr lang="en-US"/>
           </a:p>
@@ -2699,7 +2699,7 @@
             <a:fld id="{D9D26CB9-01E4-44B8-8084-BCC418CF4A2D}" type="datetimeFigureOut">
               <a:rPr lang="en-US" smtClean="0"/>
               <a:pPr/>
-              <a:t>5/20/15</a:t>
+              <a:t>5/25/15</a:t>
             </a:fld>
             <a:endParaRPr lang="en-US"/>
           </a:p>
@@ -3208,8 +3208,8 @@
         </p:blipFill>
         <p:spPr>
           <a:xfrm>
-            <a:off x="29489400" y="7010400"/>
-            <a:ext cx="13238313" cy="8165592"/>
+            <a:off x="29215080" y="7010400"/>
+            <a:ext cx="13831293" cy="8531352"/>
           </a:xfrm>
           <a:prstGeom prst="rect">
             <a:avLst/>
@@ -3693,10 +3693,10 @@
         </p:nvGrpSpPr>
         <p:grpSpPr>
           <a:xfrm>
-            <a:off x="29032200" y="22250400"/>
-            <a:ext cx="13563600" cy="6153329"/>
-            <a:chOff x="29108400" y="23164800"/>
-            <a:chExt cx="13563600" cy="6153329"/>
+            <a:off x="29032200" y="23088600"/>
+            <a:ext cx="13944600" cy="5068907"/>
+            <a:chOff x="29108400" y="24003000"/>
+            <a:chExt cx="13944600" cy="5068907"/>
           </a:xfrm>
         </p:grpSpPr>
         <p:sp>
@@ -3707,8 +3707,8 @@
           </p:nvSpPr>
           <p:spPr>
             <a:xfrm>
-              <a:off x="29184600" y="23164800"/>
-              <a:ext cx="13487400" cy="1431161"/>
+              <a:off x="29184600" y="24003000"/>
+              <a:ext cx="13868400" cy="1431161"/>
             </a:xfrm>
             <a:prstGeom prst="rect">
               <a:avLst/>
@@ -3751,8 +3751,8 @@
           </p:nvSpPr>
           <p:spPr>
             <a:xfrm>
-              <a:off x="29108400" y="24612600"/>
-              <a:ext cx="13487400" cy="2492990"/>
+              <a:off x="29108400" y="25527000"/>
+              <a:ext cx="13487400" cy="1938992"/>
             </a:xfrm>
             <a:prstGeom prst="rect">
               <a:avLst/>
@@ -3766,7 +3766,7 @@
             <a:lstStyle/>
             <a:p>
               <a:r>
-                <a:rPr lang="en-US" sz="6000" dirty="0" smtClean="0"/>
+                <a:rPr lang="en-US" sz="4000" dirty="0" smtClean="0"/>
                 <a:t>Capstone Team:</a:t>
               </a:r>
             </a:p>
@@ -3776,16 +3776,8 @@
                 <a:buChar char="•"/>
               </a:pPr>
               <a:r>
-                <a:rPr lang="en-US" sz="4800" dirty="0" smtClean="0"/>
-                <a:t>Jeff Alcoke, ECE </a:t>
-              </a:r>
-              <a:r>
-                <a:rPr lang="en-US" sz="4800" dirty="0" smtClean="0"/>
-                <a:t>– Project </a:t>
-              </a:r>
-              <a:r>
-                <a:rPr lang="en-US" sz="4800" dirty="0" smtClean="0"/>
-                <a:t>HW Designer </a:t>
+                <a:rPr lang="en-US" sz="4000" dirty="0" smtClean="0"/>
+                <a:t>Jeff Alcoke, ECE – Project HW Designer </a:t>
               </a:r>
             </a:p>
             <a:p>
@@ -3794,14 +3786,9 @@
                 <a:buChar char="•"/>
               </a:pPr>
               <a:r>
-                <a:rPr lang="en-US" sz="4800" dirty="0" smtClean="0"/>
-                <a:t>Seth Ward, ECE – Project FW </a:t>
+                <a:rPr lang="en-US" sz="4000" dirty="0" smtClean="0"/>
+                <a:t>Seth Ward, ECE – Project FW  Designer</a:t>
               </a:r>
-              <a:r>
-                <a:rPr lang="en-US" sz="4800" dirty="0" smtClean="0"/>
-                <a:t> Designer</a:t>
-              </a:r>
-              <a:endParaRPr lang="en-US" sz="4800" dirty="0" smtClean="0"/>
             </a:p>
           </p:txBody>
         </p:sp>
@@ -3814,9 +3801,9 @@
           <p:grpSpPr>
             <a:xfrm>
               <a:off x="29184600" y="27432000"/>
-              <a:ext cx="13335000" cy="1886129"/>
+              <a:ext cx="13335000" cy="1639907"/>
               <a:chOff x="31546800" y="27432000"/>
-              <a:chExt cx="13335000" cy="1886129"/>
+              <a:chExt cx="13335000" cy="1639907"/>
             </a:xfrm>
           </p:grpSpPr>
           <p:sp>
@@ -3828,7 +3815,7 @@
             <p:spPr>
               <a:xfrm>
                 <a:off x="31546800" y="27432000"/>
-                <a:ext cx="10972800" cy="830997"/>
+                <a:ext cx="10972800" cy="769441"/>
               </a:xfrm>
               <a:prstGeom prst="rect">
                 <a:avLst/>
@@ -3842,7 +3829,7 @@
               <a:lstStyle/>
               <a:p>
                 <a:r>
-                  <a:rPr lang="en-US" sz="4800" dirty="0" smtClean="0"/>
+                  <a:rPr lang="en-US" sz="4400" dirty="0" smtClean="0"/>
                   <a:t>Special thanks to:</a:t>
                 </a:r>
               </a:p>
@@ -3857,7 +3844,7 @@
             <p:spPr>
               <a:xfrm>
                 <a:off x="31546800" y="28117800"/>
-                <a:ext cx="13335000" cy="1200329"/>
+                <a:ext cx="13335000" cy="954107"/>
               </a:xfrm>
               <a:prstGeom prst="rect">
                 <a:avLst/>
@@ -3875,7 +3862,7 @@
                   <a:buChar char="•"/>
                 </a:pPr>
                 <a:r>
-                  <a:rPr lang="en-US" sz="3600" dirty="0" smtClean="0"/>
+                  <a:rPr lang="en-US" sz="2800" dirty="0" smtClean="0"/>
                   <a:t>Andrew Greenberg</a:t>
                 </a:r>
               </a:p>
@@ -3885,14 +3872,14 @@
                   <a:buChar char="•"/>
                 </a:pPr>
                 <a:r>
-                  <a:rPr lang="en-US" sz="3600" dirty="0" smtClean="0"/>
+                  <a:rPr lang="en-US" sz="2800" dirty="0" smtClean="0"/>
                   <a:t>K. </a:t>
                 </a:r>
                 <a:r>
-                  <a:rPr lang="en-US" sz="3600" dirty="0" err="1" smtClean="0"/>
+                  <a:rPr lang="en-US" sz="2800" dirty="0" err="1" smtClean="0"/>
                   <a:t>Willson</a:t>
                 </a:r>
-                <a:endParaRPr lang="en-US" sz="3600" dirty="0" smtClean="0"/>
+                <a:endParaRPr lang="en-US" sz="2800" dirty="0" smtClean="0"/>
               </a:p>
               <a:p>
                 <a:pPr marL="1143000" indent="-1143000">
@@ -3900,14 +3887,14 @@
                   <a:buChar char="•"/>
                 </a:pPr>
                 <a:r>
-                  <a:rPr lang="en-US" sz="3600" dirty="0" smtClean="0"/>
+                  <a:rPr lang="en-US" sz="2800" dirty="0" smtClean="0"/>
                   <a:t>Gavin </a:t>
                 </a:r>
                 <a:r>
-                  <a:rPr lang="en-US" sz="3600" dirty="0" err="1" smtClean="0"/>
+                  <a:rPr lang="en-US" sz="2800" dirty="0" err="1" smtClean="0"/>
                   <a:t>Gallino</a:t>
                 </a:r>
-                <a:endParaRPr lang="en-US" sz="3600" dirty="0" smtClean="0"/>
+                <a:endParaRPr lang="en-US" sz="2800" dirty="0" smtClean="0"/>
               </a:p>
               <a:p>
                 <a:pPr marL="1143000" indent="-1143000">
@@ -3915,10 +3902,10 @@
                   <a:buChar char="•"/>
                 </a:pPr>
                 <a:r>
-                  <a:rPr lang="en-US" sz="3600" dirty="0" smtClean="0"/>
+                  <a:rPr lang="en-US" sz="2800" dirty="0" smtClean="0"/>
                   <a:t>Dave Camarillo</a:t>
                 </a:r>
-                <a:endParaRPr lang="en-US" sz="3600" dirty="0"/>
+                <a:endParaRPr lang="en-US" sz="2800" dirty="0"/>
               </a:p>
             </p:txBody>
           </p:sp>

--- a/Poster.pptx
+++ b/Poster.pptx
@@ -300,7 +300,7 @@
             <a:fld id="{D9D26CB9-01E4-44B8-8084-BCC418CF4A2D}" type="datetimeFigureOut">
               <a:rPr lang="en-US" smtClean="0"/>
               <a:pPr/>
-              <a:t>5/25/15</a:t>
+              <a:t>5/26/2015</a:t>
             </a:fld>
             <a:endParaRPr lang="en-US"/>
           </a:p>
@@ -467,7 +467,7 @@
             <a:fld id="{D9D26CB9-01E4-44B8-8084-BCC418CF4A2D}" type="datetimeFigureOut">
               <a:rPr lang="en-US" smtClean="0"/>
               <a:pPr/>
-              <a:t>5/25/15</a:t>
+              <a:t>5/26/2015</a:t>
             </a:fld>
             <a:endParaRPr lang="en-US"/>
           </a:p>
@@ -644,7 +644,7 @@
             <a:fld id="{D9D26CB9-01E4-44B8-8084-BCC418CF4A2D}" type="datetimeFigureOut">
               <a:rPr lang="en-US" smtClean="0"/>
               <a:pPr/>
-              <a:t>5/25/15</a:t>
+              <a:t>5/26/2015</a:t>
             </a:fld>
             <a:endParaRPr lang="en-US"/>
           </a:p>
@@ -811,7 +811,7 @@
             <a:fld id="{D9D26CB9-01E4-44B8-8084-BCC418CF4A2D}" type="datetimeFigureOut">
               <a:rPr lang="en-US" smtClean="0"/>
               <a:pPr/>
-              <a:t>5/25/15</a:t>
+              <a:t>5/26/2015</a:t>
             </a:fld>
             <a:endParaRPr lang="en-US"/>
           </a:p>
@@ -1054,7 +1054,7 @@
             <a:fld id="{D9D26CB9-01E4-44B8-8084-BCC418CF4A2D}" type="datetimeFigureOut">
               <a:rPr lang="en-US" smtClean="0"/>
               <a:pPr/>
-              <a:t>5/25/15</a:t>
+              <a:t>5/26/2015</a:t>
             </a:fld>
             <a:endParaRPr lang="en-US"/>
           </a:p>
@@ -1339,7 +1339,7 @@
             <a:fld id="{D9D26CB9-01E4-44B8-8084-BCC418CF4A2D}" type="datetimeFigureOut">
               <a:rPr lang="en-US" smtClean="0"/>
               <a:pPr/>
-              <a:t>5/25/15</a:t>
+              <a:t>5/26/2015</a:t>
             </a:fld>
             <a:endParaRPr lang="en-US"/>
           </a:p>
@@ -1758,7 +1758,7 @@
             <a:fld id="{D9D26CB9-01E4-44B8-8084-BCC418CF4A2D}" type="datetimeFigureOut">
               <a:rPr lang="en-US" smtClean="0"/>
               <a:pPr/>
-              <a:t>5/25/15</a:t>
+              <a:t>5/26/2015</a:t>
             </a:fld>
             <a:endParaRPr lang="en-US"/>
           </a:p>
@@ -1873,7 +1873,7 @@
             <a:fld id="{D9D26CB9-01E4-44B8-8084-BCC418CF4A2D}" type="datetimeFigureOut">
               <a:rPr lang="en-US" smtClean="0"/>
               <a:pPr/>
-              <a:t>5/25/15</a:t>
+              <a:t>5/26/2015</a:t>
             </a:fld>
             <a:endParaRPr lang="en-US"/>
           </a:p>
@@ -1965,7 +1965,7 @@
             <a:fld id="{D9D26CB9-01E4-44B8-8084-BCC418CF4A2D}" type="datetimeFigureOut">
               <a:rPr lang="en-US" smtClean="0"/>
               <a:pPr/>
-              <a:t>5/25/15</a:t>
+              <a:t>5/26/2015</a:t>
             </a:fld>
             <a:endParaRPr lang="en-US"/>
           </a:p>
@@ -2239,7 +2239,7 @@
             <a:fld id="{D9D26CB9-01E4-44B8-8084-BCC418CF4A2D}" type="datetimeFigureOut">
               <a:rPr lang="en-US" smtClean="0"/>
               <a:pPr/>
-              <a:t>5/25/15</a:t>
+              <a:t>5/26/2015</a:t>
             </a:fld>
             <a:endParaRPr lang="en-US"/>
           </a:p>
@@ -2489,7 +2489,7 @@
             <a:fld id="{D9D26CB9-01E4-44B8-8084-BCC418CF4A2D}" type="datetimeFigureOut">
               <a:rPr lang="en-US" smtClean="0"/>
               <a:pPr/>
-              <a:t>5/25/15</a:t>
+              <a:t>5/26/2015</a:t>
             </a:fld>
             <a:endParaRPr lang="en-US"/>
           </a:p>
@@ -2699,7 +2699,7 @@
             <a:fld id="{D9D26CB9-01E4-44B8-8084-BCC418CF4A2D}" type="datetimeFigureOut">
               <a:rPr lang="en-US" smtClean="0"/>
               <a:pPr/>
-              <a:t>5/25/15</a:t>
+              <a:t>5/26/2015</a:t>
             </a:fld>
             <a:endParaRPr lang="en-US"/>
           </a:p>
@@ -3498,7 +3498,15 @@
               </a:pPr>
               <a:r>
                 <a:rPr lang="en-US" sz="4400" dirty="0" smtClean="0"/>
-                <a:t>Off the shelf 32bit microcontroller with USB 2.1 High Speed.</a:t>
+                <a:t>Off the shelf 32bit microcontroller with USB </a:t>
+              </a:r>
+              <a:r>
+                <a:rPr lang="en-US" sz="4400" dirty="0" smtClean="0"/>
+                <a:t>2.0 </a:t>
+              </a:r>
+              <a:r>
+                <a:rPr lang="en-US" sz="4400" dirty="0" smtClean="0"/>
+                <a:t>High Speed.</a:t>
               </a:r>
             </a:p>
             <a:p>
@@ -3585,7 +3593,7 @@
                   <a:srgbClr val="6A7F10"/>
                 </a:solidFill>
               </a:rPr>
-              <a:t>Requirements</a:t>
+              <a:t>Problem Statement</a:t>
             </a:r>
             <a:endParaRPr lang="en-US" dirty="0">
               <a:solidFill>
@@ -3911,6 +3919,71 @@
           </p:sp>
         </p:grpSp>
       </p:grpSp>
+      <p:sp>
+        <p:nvSpPr>
+          <p:cNvPr id="26" name="TextBox 25"/>
+          <p:cNvSpPr txBox="1"/>
+          <p:nvPr/>
+        </p:nvSpPr>
+        <p:spPr>
+          <a:xfrm>
+            <a:off x="1066800" y="16923192"/>
+            <a:ext cx="13487400" cy="4832092"/>
+          </a:xfrm>
+          <a:prstGeom prst="rect">
+            <a:avLst/>
+          </a:prstGeom>
+          <a:noFill/>
+        </p:spPr>
+        <p:txBody>
+          <a:bodyPr wrap="square" rtlCol="0">
+            <a:spAutoFit/>
+          </a:bodyPr>
+          <a:lstStyle/>
+          <a:p>
+            <a:pPr marL="571500" indent="-571500">
+              <a:buFont typeface="Arial" panose="020B0604020202020204" pitchFamily="34" charset="0"/>
+              <a:buChar char="•"/>
+            </a:pPr>
+            <a:r>
+              <a:rPr lang="en-US" sz="4400" dirty="0" smtClean="0"/>
+              <a:t>At this time there is not a uniform standard for data acquisition devices.</a:t>
+            </a:r>
+          </a:p>
+          <a:p>
+            <a:pPr marL="571500" indent="-571500">
+              <a:buFont typeface="Arial" panose="020B0604020202020204" pitchFamily="34" charset="0"/>
+              <a:buChar char="•"/>
+            </a:pPr>
+            <a:r>
+              <a:rPr lang="en-US" sz="4400" dirty="0" smtClean="0"/>
+              <a:t>Current devices on the market sacrifice features and connectivity for a lower price point</a:t>
+            </a:r>
+          </a:p>
+          <a:p>
+            <a:pPr marL="571500" indent="-571500">
+              <a:buFont typeface="Arial" panose="020B0604020202020204" pitchFamily="34" charset="0"/>
+              <a:buChar char="•"/>
+            </a:pPr>
+            <a:r>
+              <a:rPr lang="en-US" sz="4400" dirty="0" smtClean="0"/>
+              <a:t>Current devices on the market offer a low  purchase price by sacrificing features and connectivity.(alt)</a:t>
+            </a:r>
+            <a:endParaRPr lang="en-US" sz="4400" dirty="0" smtClean="0"/>
+          </a:p>
+          <a:p>
+            <a:pPr marL="571500" indent="-571500">
+              <a:buFont typeface="Arial" panose="020B0604020202020204" pitchFamily="34" charset="0"/>
+              <a:buChar char="•"/>
+            </a:pPr>
+            <a:r>
+              <a:rPr lang="en-US" sz="4400" smtClean="0"/>
+              <a:t>Industry </a:t>
+            </a:r>
+            <a:endParaRPr lang="en-US" sz="4400" dirty="0" smtClean="0"/>
+          </a:p>
+        </p:txBody>
+      </p:sp>
     </p:spTree>
   </p:cSld>
   <p:clrMapOvr>
@@ -3919,7 +3992,7 @@
   <p:timing>
     <p:tnLst>
       <p:par>
-        <p:cTn xmlns:p14="http://schemas.microsoft.com/office/powerpoint/2010/main" id="1" dur="indefinite" restart="never" nodeType="tmRoot"/>
+        <p:cTn id="1" dur="indefinite" restart="never" nodeType="tmRoot"/>
       </p:par>
     </p:tnLst>
   </p:timing>

--- a/Poster.pptx
+++ b/Poster.pptx
@@ -300,9 +300,9 @@
             <a:fld id="{D9D26CB9-01E4-44B8-8084-BCC418CF4A2D}" type="datetimeFigureOut">
               <a:rPr lang="en-US" smtClean="0"/>
               <a:pPr/>
-              <a:t>5/26/15</a:t>
+              <a:t>5/27/2015</a:t>
             </a:fld>
-            <a:endParaRPr lang="en-US"/>
+            <a:endParaRPr lang="en-US" dirty="0"/>
           </a:p>
         </p:txBody>
       </p:sp>
@@ -321,7 +321,7 @@
           <a:bodyPr/>
           <a:lstStyle/>
           <a:p>
-            <a:endParaRPr lang="en-US"/>
+            <a:endParaRPr lang="en-US" dirty="0"/>
           </a:p>
         </p:txBody>
       </p:sp>
@@ -345,7 +345,7 @@
               <a:pPr/>
               <a:t>‹#›</a:t>
             </a:fld>
-            <a:endParaRPr lang="en-US"/>
+            <a:endParaRPr lang="en-US" dirty="0"/>
           </a:p>
         </p:txBody>
       </p:sp>
@@ -467,9 +467,9 @@
             <a:fld id="{D9D26CB9-01E4-44B8-8084-BCC418CF4A2D}" type="datetimeFigureOut">
               <a:rPr lang="en-US" smtClean="0"/>
               <a:pPr/>
-              <a:t>5/26/15</a:t>
+              <a:t>5/27/2015</a:t>
             </a:fld>
-            <a:endParaRPr lang="en-US"/>
+            <a:endParaRPr lang="en-US" dirty="0"/>
           </a:p>
         </p:txBody>
       </p:sp>
@@ -488,7 +488,7 @@
           <a:bodyPr/>
           <a:lstStyle/>
           <a:p>
-            <a:endParaRPr lang="en-US"/>
+            <a:endParaRPr lang="en-US" dirty="0"/>
           </a:p>
         </p:txBody>
       </p:sp>
@@ -512,7 +512,7 @@
               <a:pPr/>
               <a:t>‹#›</a:t>
             </a:fld>
-            <a:endParaRPr lang="en-US"/>
+            <a:endParaRPr lang="en-US" dirty="0"/>
           </a:p>
         </p:txBody>
       </p:sp>
@@ -644,9 +644,9 @@
             <a:fld id="{D9D26CB9-01E4-44B8-8084-BCC418CF4A2D}" type="datetimeFigureOut">
               <a:rPr lang="en-US" smtClean="0"/>
               <a:pPr/>
-              <a:t>5/26/15</a:t>
+              <a:t>5/27/2015</a:t>
             </a:fld>
-            <a:endParaRPr lang="en-US"/>
+            <a:endParaRPr lang="en-US" dirty="0"/>
           </a:p>
         </p:txBody>
       </p:sp>
@@ -665,7 +665,7 @@
           <a:bodyPr/>
           <a:lstStyle/>
           <a:p>
-            <a:endParaRPr lang="en-US"/>
+            <a:endParaRPr lang="en-US" dirty="0"/>
           </a:p>
         </p:txBody>
       </p:sp>
@@ -689,7 +689,7 @@
               <a:pPr/>
               <a:t>‹#›</a:t>
             </a:fld>
-            <a:endParaRPr lang="en-US"/>
+            <a:endParaRPr lang="en-US" dirty="0"/>
           </a:p>
         </p:txBody>
       </p:sp>
@@ -811,9 +811,9 @@
             <a:fld id="{D9D26CB9-01E4-44B8-8084-BCC418CF4A2D}" type="datetimeFigureOut">
               <a:rPr lang="en-US" smtClean="0"/>
               <a:pPr/>
-              <a:t>5/26/15</a:t>
+              <a:t>5/27/2015</a:t>
             </a:fld>
-            <a:endParaRPr lang="en-US"/>
+            <a:endParaRPr lang="en-US" dirty="0"/>
           </a:p>
         </p:txBody>
       </p:sp>
@@ -832,7 +832,7 @@
           <a:bodyPr/>
           <a:lstStyle/>
           <a:p>
-            <a:endParaRPr lang="en-US"/>
+            <a:endParaRPr lang="en-US" dirty="0"/>
           </a:p>
         </p:txBody>
       </p:sp>
@@ -856,7 +856,7 @@
               <a:pPr/>
               <a:t>‹#›</a:t>
             </a:fld>
-            <a:endParaRPr lang="en-US"/>
+            <a:endParaRPr lang="en-US" dirty="0"/>
           </a:p>
         </p:txBody>
       </p:sp>
@@ -1054,9 +1054,9 @@
             <a:fld id="{D9D26CB9-01E4-44B8-8084-BCC418CF4A2D}" type="datetimeFigureOut">
               <a:rPr lang="en-US" smtClean="0"/>
               <a:pPr/>
-              <a:t>5/26/15</a:t>
+              <a:t>5/27/2015</a:t>
             </a:fld>
-            <a:endParaRPr lang="en-US"/>
+            <a:endParaRPr lang="en-US" dirty="0"/>
           </a:p>
         </p:txBody>
       </p:sp>
@@ -1075,7 +1075,7 @@
           <a:bodyPr/>
           <a:lstStyle/>
           <a:p>
-            <a:endParaRPr lang="en-US"/>
+            <a:endParaRPr lang="en-US" dirty="0"/>
           </a:p>
         </p:txBody>
       </p:sp>
@@ -1099,7 +1099,7 @@
               <a:pPr/>
               <a:t>‹#›</a:t>
             </a:fld>
-            <a:endParaRPr lang="en-US"/>
+            <a:endParaRPr lang="en-US" dirty="0"/>
           </a:p>
         </p:txBody>
       </p:sp>
@@ -1339,9 +1339,9 @@
             <a:fld id="{D9D26CB9-01E4-44B8-8084-BCC418CF4A2D}" type="datetimeFigureOut">
               <a:rPr lang="en-US" smtClean="0"/>
               <a:pPr/>
-              <a:t>5/26/15</a:t>
+              <a:t>5/27/2015</a:t>
             </a:fld>
-            <a:endParaRPr lang="en-US"/>
+            <a:endParaRPr lang="en-US" dirty="0"/>
           </a:p>
         </p:txBody>
       </p:sp>
@@ -1360,7 +1360,7 @@
           <a:bodyPr/>
           <a:lstStyle/>
           <a:p>
-            <a:endParaRPr lang="en-US"/>
+            <a:endParaRPr lang="en-US" dirty="0"/>
           </a:p>
         </p:txBody>
       </p:sp>
@@ -1384,7 +1384,7 @@
               <a:pPr/>
               <a:t>‹#›</a:t>
             </a:fld>
-            <a:endParaRPr lang="en-US"/>
+            <a:endParaRPr lang="en-US" dirty="0"/>
           </a:p>
         </p:txBody>
       </p:sp>
@@ -1758,9 +1758,9 @@
             <a:fld id="{D9D26CB9-01E4-44B8-8084-BCC418CF4A2D}" type="datetimeFigureOut">
               <a:rPr lang="en-US" smtClean="0"/>
               <a:pPr/>
-              <a:t>5/26/15</a:t>
+              <a:t>5/27/2015</a:t>
             </a:fld>
-            <a:endParaRPr lang="en-US"/>
+            <a:endParaRPr lang="en-US" dirty="0"/>
           </a:p>
         </p:txBody>
       </p:sp>
@@ -1779,7 +1779,7 @@
           <a:bodyPr/>
           <a:lstStyle/>
           <a:p>
-            <a:endParaRPr lang="en-US"/>
+            <a:endParaRPr lang="en-US" dirty="0"/>
           </a:p>
         </p:txBody>
       </p:sp>
@@ -1803,7 +1803,7 @@
               <a:pPr/>
               <a:t>‹#›</a:t>
             </a:fld>
-            <a:endParaRPr lang="en-US"/>
+            <a:endParaRPr lang="en-US" dirty="0"/>
           </a:p>
         </p:txBody>
       </p:sp>
@@ -1873,9 +1873,9 @@
             <a:fld id="{D9D26CB9-01E4-44B8-8084-BCC418CF4A2D}" type="datetimeFigureOut">
               <a:rPr lang="en-US" smtClean="0"/>
               <a:pPr/>
-              <a:t>5/26/15</a:t>
+              <a:t>5/27/2015</a:t>
             </a:fld>
-            <a:endParaRPr lang="en-US"/>
+            <a:endParaRPr lang="en-US" dirty="0"/>
           </a:p>
         </p:txBody>
       </p:sp>
@@ -1894,7 +1894,7 @@
           <a:bodyPr/>
           <a:lstStyle/>
           <a:p>
-            <a:endParaRPr lang="en-US"/>
+            <a:endParaRPr lang="en-US" dirty="0"/>
           </a:p>
         </p:txBody>
       </p:sp>
@@ -1918,7 +1918,7 @@
               <a:pPr/>
               <a:t>‹#›</a:t>
             </a:fld>
-            <a:endParaRPr lang="en-US"/>
+            <a:endParaRPr lang="en-US" dirty="0"/>
           </a:p>
         </p:txBody>
       </p:sp>
@@ -1965,9 +1965,9 @@
             <a:fld id="{D9D26CB9-01E4-44B8-8084-BCC418CF4A2D}" type="datetimeFigureOut">
               <a:rPr lang="en-US" smtClean="0"/>
               <a:pPr/>
-              <a:t>5/26/15</a:t>
+              <a:t>5/27/2015</a:t>
             </a:fld>
-            <a:endParaRPr lang="en-US"/>
+            <a:endParaRPr lang="en-US" dirty="0"/>
           </a:p>
         </p:txBody>
       </p:sp>
@@ -1986,7 +1986,7 @@
           <a:bodyPr/>
           <a:lstStyle/>
           <a:p>
-            <a:endParaRPr lang="en-US"/>
+            <a:endParaRPr lang="en-US" dirty="0"/>
           </a:p>
         </p:txBody>
       </p:sp>
@@ -2010,7 +2010,7 @@
               <a:pPr/>
               <a:t>‹#›</a:t>
             </a:fld>
-            <a:endParaRPr lang="en-US"/>
+            <a:endParaRPr lang="en-US" dirty="0"/>
           </a:p>
         </p:txBody>
       </p:sp>
@@ -2239,9 +2239,9 @@
             <a:fld id="{D9D26CB9-01E4-44B8-8084-BCC418CF4A2D}" type="datetimeFigureOut">
               <a:rPr lang="en-US" smtClean="0"/>
               <a:pPr/>
-              <a:t>5/26/15</a:t>
+              <a:t>5/27/2015</a:t>
             </a:fld>
-            <a:endParaRPr lang="en-US"/>
+            <a:endParaRPr lang="en-US" dirty="0"/>
           </a:p>
         </p:txBody>
       </p:sp>
@@ -2260,7 +2260,7 @@
           <a:bodyPr/>
           <a:lstStyle/>
           <a:p>
-            <a:endParaRPr lang="en-US"/>
+            <a:endParaRPr lang="en-US" dirty="0"/>
           </a:p>
         </p:txBody>
       </p:sp>
@@ -2284,7 +2284,7 @@
               <a:pPr/>
               <a:t>‹#›</a:t>
             </a:fld>
-            <a:endParaRPr lang="en-US"/>
+            <a:endParaRPr lang="en-US" dirty="0"/>
           </a:p>
         </p:txBody>
       </p:sp>
@@ -2402,7 +2402,7 @@
             </a:lvl9pPr>
           </a:lstStyle>
           <a:p>
-            <a:endParaRPr lang="en-US"/>
+            <a:endParaRPr lang="en-US" dirty="0"/>
           </a:p>
         </p:txBody>
       </p:sp>
@@ -2489,9 +2489,9 @@
             <a:fld id="{D9D26CB9-01E4-44B8-8084-BCC418CF4A2D}" type="datetimeFigureOut">
               <a:rPr lang="en-US" smtClean="0"/>
               <a:pPr/>
-              <a:t>5/26/15</a:t>
+              <a:t>5/27/2015</a:t>
             </a:fld>
-            <a:endParaRPr lang="en-US"/>
+            <a:endParaRPr lang="en-US" dirty="0"/>
           </a:p>
         </p:txBody>
       </p:sp>
@@ -2510,7 +2510,7 @@
           <a:bodyPr/>
           <a:lstStyle/>
           <a:p>
-            <a:endParaRPr lang="en-US"/>
+            <a:endParaRPr lang="en-US" dirty="0"/>
           </a:p>
         </p:txBody>
       </p:sp>
@@ -2534,7 +2534,7 @@
               <a:pPr/>
               <a:t>‹#›</a:t>
             </a:fld>
-            <a:endParaRPr lang="en-US"/>
+            <a:endParaRPr lang="en-US" dirty="0"/>
           </a:p>
         </p:txBody>
       </p:sp>
@@ -2699,9 +2699,9 @@
             <a:fld id="{D9D26CB9-01E4-44B8-8084-BCC418CF4A2D}" type="datetimeFigureOut">
               <a:rPr lang="en-US" smtClean="0"/>
               <a:pPr/>
-              <a:t>5/26/15</a:t>
+              <a:t>5/27/2015</a:t>
             </a:fld>
-            <a:endParaRPr lang="en-US"/>
+            <a:endParaRPr lang="en-US" dirty="0"/>
           </a:p>
         </p:txBody>
       </p:sp>
@@ -2738,7 +2738,7 @@
             </a:lvl1pPr>
           </a:lstStyle>
           <a:p>
-            <a:endParaRPr lang="en-US"/>
+            <a:endParaRPr lang="en-US" dirty="0"/>
           </a:p>
         </p:txBody>
       </p:sp>
@@ -2780,7 +2780,7 @@
               <a:pPr/>
               <a:t>‹#›</a:t>
             </a:fld>
-            <a:endParaRPr lang="en-US"/>
+            <a:endParaRPr lang="en-US" dirty="0"/>
           </a:p>
         </p:txBody>
       </p:sp>
@@ -3553,50 +3553,6 @@
           </p:txBody>
         </p:sp>
       </p:grpSp>
-      <p:sp>
-        <p:nvSpPr>
-          <p:cNvPr id="25" name="TextBox 24"/>
-          <p:cNvSpPr txBox="1"/>
-          <p:nvPr/>
-        </p:nvSpPr>
-        <p:spPr>
-          <a:xfrm>
-            <a:off x="990600" y="14935200"/>
-            <a:ext cx="13487400" cy="1431161"/>
-          </a:xfrm>
-          <a:prstGeom prst="rect">
-            <a:avLst/>
-          </a:prstGeom>
-          <a:noFill/>
-          <a:ln>
-            <a:solidFill>
-              <a:schemeClr val="accent1"/>
-            </a:solidFill>
-          </a:ln>
-        </p:spPr>
-        <p:txBody>
-          <a:bodyPr wrap="square" rtlCol="0">
-            <a:spAutoFit/>
-          </a:bodyPr>
-          <a:lstStyle/>
-          <a:p>
-            <a:pPr algn="ctr"/>
-            <a:r>
-              <a:rPr lang="en-US" dirty="0" smtClean="0">
-                <a:solidFill>
-                  <a:srgbClr val="6A7F10"/>
-                </a:solidFill>
-              </a:rPr>
-              <a:t>Problem Statement</a:t>
-            </a:r>
-            <a:endParaRPr lang="en-US" dirty="0">
-              <a:solidFill>
-                <a:srgbClr val="6A7F10"/>
-              </a:solidFill>
-            </a:endParaRPr>
-          </a:p>
-        </p:txBody>
-      </p:sp>
       <p:pic>
         <p:nvPicPr>
           <p:cNvPr id="3" name="Picture 2" descr="psas_insignia.emf"/>
@@ -3913,16 +3869,190 @@
           </p:sp>
         </p:grpSp>
       </p:grpSp>
-      <p:sp>
-        <p:nvSpPr>
-          <p:cNvPr id="26" name="TextBox 25"/>
+      <p:grpSp>
+        <p:nvGrpSpPr>
+          <p:cNvPr id="9" name="Group 8"/>
+          <p:cNvGrpSpPr/>
+          <p:nvPr/>
+        </p:nvGrpSpPr>
+        <p:grpSpPr>
+          <a:xfrm>
+            <a:off x="914400" y="16310776"/>
+            <a:ext cx="13563600" cy="8174301"/>
+            <a:chOff x="990600" y="14935200"/>
+            <a:chExt cx="13563600" cy="8174301"/>
+          </a:xfrm>
+        </p:grpSpPr>
+        <p:sp>
+          <p:nvSpPr>
+            <p:cNvPr id="25" name="TextBox 24"/>
+            <p:cNvSpPr txBox="1"/>
+            <p:nvPr/>
+          </p:nvSpPr>
+          <p:spPr>
+            <a:xfrm>
+              <a:off x="990600" y="14935200"/>
+              <a:ext cx="13487400" cy="1431161"/>
+            </a:xfrm>
+            <a:prstGeom prst="rect">
+              <a:avLst/>
+            </a:prstGeom>
+            <a:noFill/>
+            <a:ln>
+              <a:solidFill>
+                <a:schemeClr val="accent1"/>
+              </a:solidFill>
+            </a:ln>
+          </p:spPr>
+          <p:txBody>
+            <a:bodyPr wrap="square" rtlCol="0">
+              <a:spAutoFit/>
+            </a:bodyPr>
+            <a:lstStyle/>
+            <a:p>
+              <a:pPr algn="ctr"/>
+              <a:r>
+                <a:rPr lang="en-US" dirty="0" smtClean="0">
+                  <a:solidFill>
+                    <a:srgbClr val="6A7F10"/>
+                  </a:solidFill>
+                </a:rPr>
+                <a:t>Problem Statement</a:t>
+              </a:r>
+              <a:endParaRPr lang="en-US" dirty="0">
+                <a:solidFill>
+                  <a:srgbClr val="6A7F10"/>
+                </a:solidFill>
+              </a:endParaRPr>
+            </a:p>
+          </p:txBody>
+        </p:sp>
+        <p:sp>
+          <p:nvSpPr>
+            <p:cNvPr id="26" name="TextBox 25"/>
+            <p:cNvSpPr txBox="1"/>
+            <p:nvPr/>
+          </p:nvSpPr>
+          <p:spPr>
+            <a:xfrm>
+              <a:off x="1066800" y="16923192"/>
+              <a:ext cx="13487400" cy="6186309"/>
+            </a:xfrm>
+            <a:prstGeom prst="rect">
+              <a:avLst/>
+            </a:prstGeom>
+            <a:noFill/>
+          </p:spPr>
+          <p:txBody>
+            <a:bodyPr wrap="square" rtlCol="0">
+              <a:spAutoFit/>
+            </a:bodyPr>
+            <a:lstStyle/>
+            <a:p>
+              <a:r>
+                <a:rPr lang="en-US" sz="4400" dirty="0"/>
+                <a:t>Data acquisition (DAQ) systems are critical to any automation or sampling project that </a:t>
+              </a:r>
+              <a:r>
+                <a:rPr lang="en-US" sz="4400" dirty="0" smtClean="0"/>
+                <a:t>needs to be quickly prototyped. Most of </a:t>
+              </a:r>
+              <a:r>
+                <a:rPr lang="en-US" sz="4400" dirty="0"/>
+                <a:t>the existing DAQ modules are hard to use, aren’t cross platform, or have </a:t>
+              </a:r>
+              <a:r>
+                <a:rPr lang="en-US" sz="4400" dirty="0" smtClean="0"/>
+                <a:t>limited performance</a:t>
+              </a:r>
+              <a:r>
+                <a:rPr lang="en-US" sz="4400" dirty="0"/>
+                <a:t>. </a:t>
+              </a:r>
+            </a:p>
+            <a:p>
+              <a:endParaRPr lang="en-US" sz="4400" dirty="0" smtClean="0"/>
+            </a:p>
+            <a:p>
+              <a:r>
+                <a:rPr lang="en-US" sz="4400" dirty="0" smtClean="0"/>
+                <a:t>There </a:t>
+              </a:r>
+              <a:r>
+                <a:rPr lang="en-US" sz="4400" dirty="0" smtClean="0"/>
+                <a:t>is a </a:t>
+              </a:r>
+              <a:r>
+                <a:rPr lang="en-US" sz="4400" dirty="0" smtClean="0"/>
+                <a:t>demand to </a:t>
+              </a:r>
+              <a:r>
+                <a:rPr lang="en-US" sz="4400" dirty="0" smtClean="0"/>
+                <a:t>replace the learning curve of complicated, poorly written documentation and system restricted devices to a simple, flexible, and easy to use </a:t>
+              </a:r>
+              <a:r>
+                <a:rPr lang="en-US" sz="4400" dirty="0" smtClean="0"/>
+                <a:t>DAQ.</a:t>
+              </a:r>
+              <a:endParaRPr lang="en-US" sz="4400" dirty="0"/>
+            </a:p>
+          </p:txBody>
+        </p:sp>
+      </p:grpSp>
+      <p:sp>
+        <p:nvSpPr>
+          <p:cNvPr id="29" name="TextBox 28"/>
           <p:cNvSpPr txBox="1"/>
           <p:nvPr/>
         </p:nvSpPr>
         <p:spPr>
           <a:xfrm>
-            <a:off x="1066800" y="16923192"/>
-            <a:ext cx="13487400" cy="8217633"/>
+            <a:off x="29150246" y="16378969"/>
+            <a:ext cx="13826553" cy="1431161"/>
+          </a:xfrm>
+          <a:prstGeom prst="rect">
+            <a:avLst/>
+          </a:prstGeom>
+          <a:noFill/>
+          <a:ln>
+            <a:solidFill>
+              <a:schemeClr val="accent1"/>
+            </a:solidFill>
+          </a:ln>
+        </p:spPr>
+        <p:txBody>
+          <a:bodyPr wrap="square" rtlCol="0">
+            <a:spAutoFit/>
+          </a:bodyPr>
+          <a:lstStyle/>
+          <a:p>
+            <a:pPr algn="ctr"/>
+            <a:r>
+              <a:rPr lang="en-US" dirty="0" smtClean="0">
+                <a:solidFill>
+                  <a:srgbClr val="6A7F10"/>
+                </a:solidFill>
+              </a:rPr>
+              <a:t>Results</a:t>
+            </a:r>
+            <a:endParaRPr lang="en-US" dirty="0">
+              <a:solidFill>
+                <a:srgbClr val="6A7F10"/>
+              </a:solidFill>
+            </a:endParaRPr>
+          </a:p>
+        </p:txBody>
+      </p:sp>
+      <p:sp>
+        <p:nvSpPr>
+          <p:cNvPr id="30" name="TextBox 29"/>
+          <p:cNvSpPr txBox="1"/>
+          <p:nvPr/>
+        </p:nvSpPr>
+        <p:spPr>
+          <a:xfrm>
+            <a:off x="29150247" y="17951441"/>
+            <a:ext cx="13487400" cy="3477875"/>
           </a:xfrm>
           <a:prstGeom prst="rect">
             <a:avLst/>
@@ -3935,24 +4065,49 @@
           </a:bodyPr>
           <a:lstStyle/>
           <a:p>
-            <a:r>
-              <a:rPr lang="en-US" sz="4400" dirty="0"/>
-              <a:t>Data acquisition (DAQ) systems are critical to any automation or sampling project that you want to quickly throw together. All of the existing DAQ modules are hard to use, aren’t cross platform, or have very poor performance. </a:t>
-            </a:r>
-          </a:p>
-          <a:p>
+            <a:pPr marL="571500" indent="-571500">
+              <a:buFont typeface="Arial" panose="020B0604020202020204" pitchFamily="34" charset="0"/>
+              <a:buChar char="•"/>
+            </a:pPr>
+            <a:r>
+              <a:rPr lang="en-US" sz="4400" dirty="0" smtClean="0"/>
+              <a:t>Created </a:t>
+            </a:r>
+            <a:r>
+              <a:rPr lang="en-US" sz="4400" dirty="0" smtClean="0"/>
+              <a:t>Marionette-v1 custom board</a:t>
+            </a:r>
+          </a:p>
+          <a:p>
+            <a:pPr marL="571500" indent="-571500">
+              <a:buFont typeface="Arial" panose="020B0604020202020204" pitchFamily="34" charset="0"/>
+              <a:buChar char="•"/>
+            </a:pPr>
+            <a:r>
+              <a:rPr lang="en-US" sz="4400" dirty="0" smtClean="0"/>
+              <a:t>Added CAN network peripheral </a:t>
+            </a:r>
+          </a:p>
+          <a:p>
+            <a:pPr marL="571500" indent="-571500">
+              <a:buFont typeface="Arial" panose="020B0604020202020204" pitchFamily="34" charset="0"/>
+              <a:buChar char="•"/>
+            </a:pPr>
+            <a:r>
+              <a:rPr lang="en-US" sz="4400" dirty="0" smtClean="0"/>
+              <a:t>Implemented USB 2.0 High Speed</a:t>
+            </a:r>
+          </a:p>
+          <a:p>
+            <a:pPr marL="571500" indent="-571500">
+              <a:buFont typeface="Arial" panose="020B0604020202020204" pitchFamily="34" charset="0"/>
+              <a:buChar char="•"/>
+            </a:pPr>
+            <a:r>
+              <a:rPr lang="en-US" sz="4400" dirty="0" smtClean="0"/>
+              <a:t>Enhanced existing DAC library to interact with an external DAC IC</a:t>
+            </a:r>
             <a:endParaRPr lang="en-US" sz="4400" dirty="0" smtClean="0"/>
-          </a:p>
-          <a:p>
-            <a:r>
-              <a:rPr lang="en-US" sz="4400" dirty="0"/>
-              <a:t>Everyone needs DAQs. From ECE students sampling circuits to MEs controlling motors to CS students trying to interface to the outside world</a:t>
-            </a:r>
-            <a:r>
-              <a:rPr lang="en-US" sz="4400" dirty="0" smtClean="0"/>
-              <a:t>.  There is a desire to replace the learning curve of complicated, poorly written documentation and system restricted devices to a simple, flexible, and easy to use DAQ.</a:t>
-            </a:r>
-            <a:endParaRPr lang="en-US" sz="4400" dirty="0"/>
           </a:p>
         </p:txBody>
       </p:sp>
@@ -3964,7 +4119,7 @@
   <p:timing>
     <p:tnLst>
       <p:par>
-        <p:cTn xmlns:p14="http://schemas.microsoft.com/office/powerpoint/2010/main" id="1" dur="indefinite" restart="never" nodeType="tmRoot"/>
+        <p:cTn id="1" dur="indefinite" restart="never" nodeType="tmRoot"/>
       </p:par>
     </p:tnLst>
   </p:timing>

--- a/Poster.pptx
+++ b/Poster.pptx
@@ -300,7 +300,7 @@
             <a:fld id="{D9D26CB9-01E4-44B8-8084-BCC418CF4A2D}" type="datetimeFigureOut">
               <a:rPr lang="en-US" smtClean="0"/>
               <a:pPr/>
-              <a:t>5/27/2015</a:t>
+              <a:t>5/27/15</a:t>
             </a:fld>
             <a:endParaRPr lang="en-US" dirty="0"/>
           </a:p>
@@ -467,7 +467,7 @@
             <a:fld id="{D9D26CB9-01E4-44B8-8084-BCC418CF4A2D}" type="datetimeFigureOut">
               <a:rPr lang="en-US" smtClean="0"/>
               <a:pPr/>
-              <a:t>5/27/2015</a:t>
+              <a:t>5/27/15</a:t>
             </a:fld>
             <a:endParaRPr lang="en-US" dirty="0"/>
           </a:p>
@@ -644,7 +644,7 @@
             <a:fld id="{D9D26CB9-01E4-44B8-8084-BCC418CF4A2D}" type="datetimeFigureOut">
               <a:rPr lang="en-US" smtClean="0"/>
               <a:pPr/>
-              <a:t>5/27/2015</a:t>
+              <a:t>5/27/15</a:t>
             </a:fld>
             <a:endParaRPr lang="en-US" dirty="0"/>
           </a:p>
@@ -811,7 +811,7 @@
             <a:fld id="{D9D26CB9-01E4-44B8-8084-BCC418CF4A2D}" type="datetimeFigureOut">
               <a:rPr lang="en-US" smtClean="0"/>
               <a:pPr/>
-              <a:t>5/27/2015</a:t>
+              <a:t>5/27/15</a:t>
             </a:fld>
             <a:endParaRPr lang="en-US" dirty="0"/>
           </a:p>
@@ -1054,7 +1054,7 @@
             <a:fld id="{D9D26CB9-01E4-44B8-8084-BCC418CF4A2D}" type="datetimeFigureOut">
               <a:rPr lang="en-US" smtClean="0"/>
               <a:pPr/>
-              <a:t>5/27/2015</a:t>
+              <a:t>5/27/15</a:t>
             </a:fld>
             <a:endParaRPr lang="en-US" dirty="0"/>
           </a:p>
@@ -1339,7 +1339,7 @@
             <a:fld id="{D9D26CB9-01E4-44B8-8084-BCC418CF4A2D}" type="datetimeFigureOut">
               <a:rPr lang="en-US" smtClean="0"/>
               <a:pPr/>
-              <a:t>5/27/2015</a:t>
+              <a:t>5/27/15</a:t>
             </a:fld>
             <a:endParaRPr lang="en-US" dirty="0"/>
           </a:p>
@@ -1758,7 +1758,7 @@
             <a:fld id="{D9D26CB9-01E4-44B8-8084-BCC418CF4A2D}" type="datetimeFigureOut">
               <a:rPr lang="en-US" smtClean="0"/>
               <a:pPr/>
-              <a:t>5/27/2015</a:t>
+              <a:t>5/27/15</a:t>
             </a:fld>
             <a:endParaRPr lang="en-US" dirty="0"/>
           </a:p>
@@ -1873,7 +1873,7 @@
             <a:fld id="{D9D26CB9-01E4-44B8-8084-BCC418CF4A2D}" type="datetimeFigureOut">
               <a:rPr lang="en-US" smtClean="0"/>
               <a:pPr/>
-              <a:t>5/27/2015</a:t>
+              <a:t>5/27/15</a:t>
             </a:fld>
             <a:endParaRPr lang="en-US" dirty="0"/>
           </a:p>
@@ -1965,7 +1965,7 @@
             <a:fld id="{D9D26CB9-01E4-44B8-8084-BCC418CF4A2D}" type="datetimeFigureOut">
               <a:rPr lang="en-US" smtClean="0"/>
               <a:pPr/>
-              <a:t>5/27/2015</a:t>
+              <a:t>5/27/15</a:t>
             </a:fld>
             <a:endParaRPr lang="en-US" dirty="0"/>
           </a:p>
@@ -2239,7 +2239,7 @@
             <a:fld id="{D9D26CB9-01E4-44B8-8084-BCC418CF4A2D}" type="datetimeFigureOut">
               <a:rPr lang="en-US" smtClean="0"/>
               <a:pPr/>
-              <a:t>5/27/2015</a:t>
+              <a:t>5/27/15</a:t>
             </a:fld>
             <a:endParaRPr lang="en-US" dirty="0"/>
           </a:p>
@@ -2489,7 +2489,7 @@
             <a:fld id="{D9D26CB9-01E4-44B8-8084-BCC418CF4A2D}" type="datetimeFigureOut">
               <a:rPr lang="en-US" smtClean="0"/>
               <a:pPr/>
-              <a:t>5/27/2015</a:t>
+              <a:t>5/27/15</a:t>
             </a:fld>
             <a:endParaRPr lang="en-US" dirty="0"/>
           </a:p>
@@ -2699,7 +2699,7 @@
             <a:fld id="{D9D26CB9-01E4-44B8-8084-BCC418CF4A2D}" type="datetimeFigureOut">
               <a:rPr lang="en-US" smtClean="0"/>
               <a:pPr/>
-              <a:t>5/27/2015</a:t>
+              <a:t>5/27/15</a:t>
             </a:fld>
             <a:endParaRPr lang="en-US" dirty="0"/>
           </a:p>
@@ -3878,9 +3878,9 @@
         <p:grpSpPr>
           <a:xfrm>
             <a:off x="914400" y="16310776"/>
-            <a:ext cx="13563600" cy="8174301"/>
+            <a:ext cx="13563600" cy="7497192"/>
             <a:chOff x="990600" y="14935200"/>
-            <a:chExt cx="13563600" cy="8174301"/>
+            <a:chExt cx="13563600" cy="7497192"/>
           </a:xfrm>
         </p:grpSpPr>
         <p:sp>
@@ -3936,7 +3936,7 @@
           <p:spPr>
             <a:xfrm>
               <a:off x="1066800" y="16923192"/>
-              <a:ext cx="13487400" cy="6186309"/>
+              <a:ext cx="13487400" cy="5509200"/>
             </a:xfrm>
             <a:prstGeom prst="rect">
               <a:avLst/>
@@ -3976,23 +3976,27 @@
             <a:p>
               <a:r>
                 <a:rPr lang="en-US" sz="4400" dirty="0" smtClean="0"/>
-                <a:t>There </a:t>
+                <a:t>There is a demand to replace </a:t>
               </a:r>
               <a:r>
                 <a:rPr lang="en-US" sz="4400" dirty="0" smtClean="0"/>
-                <a:t>is a </a:t>
+                <a:t>the </a:t>
               </a:r>
               <a:r>
                 <a:rPr lang="en-US" sz="4400" dirty="0" smtClean="0"/>
-                <a:t>demand to </a:t>
+                <a:t>complicated, </a:t>
+              </a:r>
+              <a:r>
+                <a:rPr lang="en-US" sz="4400" smtClean="0"/>
+                <a:t>poorly </a:t>
+              </a:r>
+              <a:r>
+                <a:rPr lang="en-US" sz="4400" smtClean="0"/>
+                <a:t>documented </a:t>
               </a:r>
               <a:r>
                 <a:rPr lang="en-US" sz="4400" dirty="0" smtClean="0"/>
-                <a:t>replace the learning curve of complicated, poorly written documentation and system restricted devices to a simple, flexible, and easy to use </a:t>
-              </a:r>
-              <a:r>
-                <a:rPr lang="en-US" sz="4400" dirty="0" smtClean="0"/>
-                <a:t>DAQ.</a:t>
+                <a:t>and system restricted devices to a simple, flexible, and easy to use DAQ.</a:t>
               </a:r>
               <a:endParaRPr lang="en-US" sz="4400" dirty="0"/>
             </a:p>
@@ -4052,7 +4056,7 @@
         <p:spPr>
           <a:xfrm>
             <a:off x="29150247" y="17951441"/>
-            <a:ext cx="13487400" cy="3477875"/>
+            <a:ext cx="13487400" cy="4154983"/>
           </a:xfrm>
           <a:prstGeom prst="rect">
             <a:avLst/>
@@ -4075,8 +4079,25 @@
             </a:r>
             <a:r>
               <a:rPr lang="en-US" sz="4400" dirty="0" smtClean="0"/>
-              <a:t>Marionette-v1 custom board</a:t>
-            </a:r>
+              <a:t>three</a:t>
+            </a:r>
+            <a:r>
+              <a:rPr lang="en-US" sz="4400" dirty="0" smtClean="0"/>
+              <a:t> Marionette</a:t>
+            </a:r>
+            <a:r>
+              <a:rPr lang="en-US" sz="4400" dirty="0" smtClean="0"/>
+              <a:t>-v1 custom </a:t>
+            </a:r>
+            <a:r>
+              <a:rPr lang="en-US" sz="4400" dirty="0" smtClean="0"/>
+              <a:t>boards for a cost of $130 </a:t>
+            </a:r>
+            <a:r>
+              <a:rPr lang="en-US" sz="4400" dirty="0" err="1" smtClean="0"/>
+              <a:t>ea</a:t>
+            </a:r>
+            <a:endParaRPr lang="en-US" sz="4400" dirty="0" smtClean="0"/>
           </a:p>
           <a:p>
             <a:pPr marL="571500" indent="-571500">
@@ -4107,7 +4128,6 @@
               <a:rPr lang="en-US" sz="4400" dirty="0" smtClean="0"/>
               <a:t>Enhanced existing DAC library to interact with an external DAC IC</a:t>
             </a:r>
-            <a:endParaRPr lang="en-US" sz="4400" dirty="0" smtClean="0"/>
           </a:p>
         </p:txBody>
       </p:sp>
@@ -4119,7 +4139,7 @@
   <p:timing>
     <p:tnLst>
       <p:par>
-        <p:cTn id="1" dur="indefinite" restart="never" nodeType="tmRoot"/>
+        <p:cTn xmlns:p14="http://schemas.microsoft.com/office/powerpoint/2010/main" id="1" dur="indefinite" restart="never" nodeType="tmRoot"/>
       </p:par>
     </p:tnLst>
   </p:timing>
